--- a/Novák (1).pptx
+++ b/Novák (1).pptx
@@ -5,7 +5,7 @@
     <p:sldMasterId id="2147483673" r:id="rId1"/>
   </p:sldMasterIdLst>
   <p:notesMasterIdLst>
-    <p:notesMasterId r:id="rId8"/>
+    <p:notesMasterId r:id="rId11"/>
   </p:notesMasterIdLst>
   <p:sldIdLst>
     <p:sldId id="257" r:id="rId2"/>
@@ -14,6 +14,9 @@
     <p:sldId id="262" r:id="rId5"/>
     <p:sldId id="264" r:id="rId6"/>
     <p:sldId id="263" r:id="rId7"/>
+    <p:sldId id="267" r:id="rId8"/>
+    <p:sldId id="269" r:id="rId9"/>
+    <p:sldId id="268" r:id="rId10"/>
   </p:sldIdLst>
   <p:sldSz cx="12192000" cy="6858000"/>
   <p:notesSz cx="6858000" cy="9144000"/>
@@ -201,7 +204,7 @@
           </a:lstStyle>
           <a:p>
             <a:fld id="{B8D489F2-4656-4F42-B725-88F9D2703B69}" type="datetimeFigureOut">
-              <a:t>05.01.2023</a:t>
+              <a:t>07.01.2023</a:t>
             </a:fld>
             <a:endParaRPr lang="cs-CZ"/>
           </a:p>
@@ -512,133 +515,37 @@
           <a:lstStyle/>
           <a:p>
             <a:r>
-              <a:rPr lang="en-US">
-                <a:cs typeface="Calibri"/>
-              </a:rPr>
-              <a:t>IP ADRESS:  </a:t>
-            </a:r>
-            <a:r>
-              <a:rPr lang="en-US" err="1">
-                <a:cs typeface="Calibri"/>
-              </a:rPr>
-              <a:t>unikátní</a:t>
-            </a:r>
-            <a:r>
-              <a:rPr lang="en-US">
-                <a:cs typeface="Calibri"/>
-              </a:rPr>
+              <a:rPr lang="cs-CZ" dirty="0" err="1"/>
+              <a:t>Nejdriv</a:t>
+            </a:r>
+            <a:r>
+              <a:rPr lang="cs-CZ" dirty="0"/>
+              <a:t> bych </a:t>
+            </a:r>
+            <a:r>
+              <a:rPr lang="cs-CZ" dirty="0" err="1"/>
+              <a:t>zacal</a:t>
+            </a:r>
+            <a:r>
+              <a:rPr lang="cs-CZ" dirty="0"/>
               <a:t> </a:t>
             </a:r>
             <a:r>
-              <a:rPr lang="en-US" err="1">
-                <a:cs typeface="Calibri"/>
-              </a:rPr>
-              <a:t>číselná</a:t>
-            </a:r>
-            <a:r>
-              <a:rPr lang="en-US">
-                <a:cs typeface="Calibri"/>
-              </a:rPr>
-              <a:t> </a:t>
-            </a:r>
-            <a:r>
-              <a:rPr lang="en-US" err="1">
-                <a:cs typeface="Calibri"/>
-              </a:rPr>
-              <a:t>adresa</a:t>
-            </a:r>
-            <a:r>
-              <a:rPr lang="en-US">
-                <a:cs typeface="Calibri"/>
-              </a:rPr>
-              <a:t>, </a:t>
-            </a:r>
-            <a:r>
-              <a:rPr lang="en-US" err="1">
-                <a:cs typeface="Calibri"/>
-              </a:rPr>
-              <a:t>identifikuje</a:t>
-            </a:r>
-            <a:r>
-              <a:rPr lang="en-US">
-                <a:cs typeface="Calibri"/>
-              </a:rPr>
-              <a:t> </a:t>
-            </a:r>
-            <a:r>
-              <a:rPr lang="en-US" err="1">
-                <a:cs typeface="Calibri"/>
-              </a:rPr>
-              <a:t>zařízení</a:t>
-            </a:r>
-            <a:r>
-              <a:rPr lang="en-US">
-                <a:cs typeface="Calibri"/>
-              </a:rPr>
-              <a:t>, 2 </a:t>
-            </a:r>
-            <a:r>
-              <a:rPr lang="en-US" err="1">
-                <a:cs typeface="Calibri"/>
-              </a:rPr>
-              <a:t>typy</a:t>
-            </a:r>
-            <a:r>
-              <a:rPr lang="en-US">
-                <a:cs typeface="Calibri"/>
-              </a:rPr>
-              <a:t> (IPv4, IPv6), </a:t>
-            </a:r>
-            <a:r>
-              <a:rPr lang="en-US" err="1">
-                <a:cs typeface="Calibri"/>
-              </a:rPr>
-              <a:t>zapsaná</a:t>
-            </a:r>
-            <a:r>
-              <a:rPr lang="en-US">
-                <a:cs typeface="Calibri"/>
-              </a:rPr>
-              <a:t> </a:t>
-            </a:r>
-            <a:r>
-              <a:rPr lang="en-US" err="1">
-                <a:cs typeface="Calibri"/>
-              </a:rPr>
-              <a:t>ve</a:t>
-            </a:r>
-            <a:r>
-              <a:rPr lang="en-US">
-                <a:cs typeface="Calibri"/>
-              </a:rPr>
-              <a:t> 4 BYTECH NEBO 8 BYTECH, ipv4 v </a:t>
-            </a:r>
-            <a:r>
-              <a:rPr lang="en-US" err="1">
-                <a:cs typeface="Calibri"/>
-              </a:rPr>
-              <a:t>decimální</a:t>
-            </a:r>
-            <a:r>
-              <a:rPr lang="en-US">
-                <a:cs typeface="Calibri"/>
-              </a:rPr>
-              <a:t>, ipv6 </a:t>
-            </a:r>
-            <a:r>
-              <a:rPr lang="en-US" err="1">
-                <a:cs typeface="Calibri"/>
-              </a:rPr>
-              <a:t>hexadecimální</a:t>
-            </a:r>
-            <a:endParaRPr lang="en-US">
-              <a:cs typeface="Calibri"/>
-            </a:endParaRPr>
-          </a:p>
-          <a:p>
-            <a:endParaRPr lang="en-US">
-              <a:cs typeface="Calibri"/>
-            </a:endParaRPr>
+              <a:rPr lang="cs-CZ" dirty="0" err="1"/>
+              <a:t>tim</a:t>
+            </a:r>
+            <a:r>
+              <a:rPr lang="cs-CZ" dirty="0"/>
+              <a:t>, co to vůbec ta </a:t>
+            </a:r>
+            <a:r>
+              <a:rPr lang="cs-CZ" dirty="0" err="1"/>
+              <a:t>ip</a:t>
+            </a:r>
+            <a:r>
+              <a:rPr lang="cs-CZ" dirty="0"/>
+              <a:t> adresa je:</a:t>
+            </a:r>
           </a:p>
         </p:txBody>
       </p:sp>
@@ -658,7 +565,8 @@
           <a:lstStyle/>
           <a:p>
             <a:fld id="{CECE4FF0-FAA7-4A1B-BDB2-1FCCA8C432BD}" type="slidenum">
-              <a:t>2</a:t>
+              <a:rPr lang="cs-CZ" smtClean="0"/>
+              <a:t>1</a:t>
             </a:fld>
             <a:endParaRPr lang="cs-CZ"/>
           </a:p>
@@ -667,7 +575,7 @@
     </p:spTree>
     <p:extLst>
       <p:ext uri="{BB962C8B-B14F-4D97-AF65-F5344CB8AC3E}">
-        <p14:creationId xmlns:p14="http://schemas.microsoft.com/office/powerpoint/2010/main" val="457846347"/>
+        <p14:creationId xmlns:p14="http://schemas.microsoft.com/office/powerpoint/2010/main" val="1588775958"/>
       </p:ext>
     </p:extLst>
   </p:cSld>
@@ -868,7 +776,7 @@
           <a:lstStyle/>
           <a:p>
             <a:fld id="{CECE4FF0-FAA7-4A1B-BDB2-1FCCA8C432BD}" type="slidenum">
-              <a:t>3</a:t>
+              <a:t>2</a:t>
             </a:fld>
             <a:endParaRPr lang="cs-CZ"/>
           </a:p>
@@ -877,7 +785,7 @@
     </p:spTree>
     <p:extLst>
       <p:ext uri="{BB962C8B-B14F-4D97-AF65-F5344CB8AC3E}">
-        <p14:creationId xmlns:p14="http://schemas.microsoft.com/office/powerpoint/2010/main" val="809697085"/>
+        <p14:creationId xmlns:p14="http://schemas.microsoft.com/office/powerpoint/2010/main" val="457846347"/>
       </p:ext>
     </p:extLst>
   </p:cSld>
@@ -932,325 +840,133 @@
           <a:lstStyle/>
           <a:p>
             <a:r>
-              <a:rPr lang="en-US" dirty="0">
-                <a:cs typeface="Calibri"/>
-              </a:rPr>
-              <a:t>IP = </a:t>
-            </a:r>
-            <a:r>
-              <a:rPr lang="en-US" dirty="0" err="1">
-                <a:cs typeface="Calibri"/>
-              </a:rPr>
-              <a:t>znamená</a:t>
-            </a:r>
-            <a:r>
-              <a:rPr lang="en-US" dirty="0">
-                <a:cs typeface="Calibri"/>
-              </a:rPr>
-              <a:t> internet </a:t>
-            </a:r>
-            <a:r>
-              <a:rPr lang="en-US" dirty="0" err="1">
-                <a:cs typeface="Calibri"/>
-              </a:rPr>
-              <a:t>protokol</a:t>
-            </a:r>
-            <a:r>
-              <a:rPr lang="en-US" dirty="0">
+              <a:rPr lang="en-US">
+                <a:cs typeface="Calibri"/>
+              </a:rPr>
+              <a:t>IP ADRESS:  </a:t>
+            </a:r>
+            <a:r>
+              <a:rPr lang="en-US" err="1">
+                <a:cs typeface="Calibri"/>
+              </a:rPr>
+              <a:t>unikátní</a:t>
+            </a:r>
+            <a:r>
+              <a:rPr lang="en-US">
+                <a:cs typeface="Calibri"/>
+              </a:rPr>
+              <a:t> </a:t>
+            </a:r>
+            <a:r>
+              <a:rPr lang="en-US" err="1">
+                <a:cs typeface="Calibri"/>
+              </a:rPr>
+              <a:t>číselná</a:t>
+            </a:r>
+            <a:r>
+              <a:rPr lang="en-US">
+                <a:cs typeface="Calibri"/>
+              </a:rPr>
+              <a:t> </a:t>
+            </a:r>
+            <a:r>
+              <a:rPr lang="en-US" err="1">
+                <a:cs typeface="Calibri"/>
+              </a:rPr>
+              <a:t>adresa</a:t>
+            </a:r>
+            <a:r>
+              <a:rPr lang="en-US">
                 <a:cs typeface="Calibri"/>
               </a:rPr>
               <a:t>, </a:t>
             </a:r>
             <a:r>
-              <a:rPr lang="en-US" dirty="0" err="1">
-                <a:cs typeface="Calibri"/>
-              </a:rPr>
-              <a:t>pomocí</a:t>
-            </a:r>
-            <a:r>
-              <a:rPr lang="en-US" dirty="0">
+              <a:rPr lang="en-US" err="1">
+                <a:cs typeface="Calibri"/>
+              </a:rPr>
+              <a:t>identifikuje</a:t>
+            </a:r>
+            <a:r>
+              <a:rPr lang="en-US">
                 <a:cs typeface="Calibri"/>
               </a:rPr>
               <a:t> </a:t>
             </a:r>
             <a:r>
-              <a:rPr lang="en-US" dirty="0" err="1">
-                <a:cs typeface="Calibri"/>
-              </a:rPr>
-              <a:t>něj</a:t>
-            </a:r>
-            <a:r>
-              <a:rPr lang="en-US" dirty="0">
-                <a:cs typeface="Calibri"/>
-              </a:rPr>
-              <a:t> </a:t>
-            </a:r>
-            <a:r>
-              <a:rPr lang="en-US" dirty="0" err="1">
-                <a:cs typeface="Calibri"/>
-              </a:rPr>
-              <a:t>spolu</a:t>
-            </a:r>
-            <a:r>
-              <a:rPr lang="en-US" dirty="0">
+              <a:rPr lang="en-US" err="1">
+                <a:cs typeface="Calibri"/>
+              </a:rPr>
+              <a:t>zařízení</a:t>
+            </a:r>
+            <a:r>
+              <a:rPr lang="en-US">
+                <a:cs typeface="Calibri"/>
+              </a:rPr>
+              <a:t>, 2 </a:t>
+            </a:r>
+            <a:r>
+              <a:rPr lang="en-US" err="1">
+                <a:cs typeface="Calibri"/>
+              </a:rPr>
+              <a:t>typy</a:t>
+            </a:r>
+            <a:r>
+              <a:rPr lang="en-US">
+                <a:cs typeface="Calibri"/>
+              </a:rPr>
+              <a:t> (IPv4, IPv6), </a:t>
+            </a:r>
+            <a:r>
+              <a:rPr lang="en-US" err="1">
+                <a:cs typeface="Calibri"/>
+              </a:rPr>
+              <a:t>zapsaná</a:t>
+            </a:r>
+            <a:r>
+              <a:rPr lang="en-US">
                 <a:cs typeface="Calibri"/>
               </a:rPr>
               <a:t> </a:t>
             </a:r>
             <a:r>
-              <a:rPr lang="en-US" dirty="0" err="1">
-                <a:cs typeface="Calibri"/>
-              </a:rPr>
-              <a:t>komunikují</a:t>
-            </a:r>
-            <a:r>
-              <a:rPr lang="en-US" dirty="0">
-                <a:cs typeface="Calibri"/>
-              </a:rPr>
-              <a:t> </a:t>
-            </a:r>
-            <a:r>
-              <a:rPr lang="en-US" dirty="0" err="1">
-                <a:cs typeface="Calibri"/>
-              </a:rPr>
-              <a:t>zařízení</a:t>
-            </a:r>
-            <a:r>
-              <a:rPr lang="en-US" dirty="0">
-                <a:cs typeface="Calibri"/>
-              </a:rPr>
-              <a:t> v </a:t>
-            </a:r>
-            <a:r>
-              <a:rPr lang="en-US" dirty="0" err="1">
-                <a:cs typeface="Calibri"/>
-              </a:rPr>
-              <a:t>celé</a:t>
-            </a:r>
-            <a:r>
-              <a:rPr lang="en-US" dirty="0">
-                <a:cs typeface="Calibri"/>
-              </a:rPr>
-              <a:t> </a:t>
-            </a:r>
-            <a:r>
-              <a:rPr lang="en-US" dirty="0" err="1">
-                <a:cs typeface="Calibri"/>
-              </a:rPr>
-              <a:t>internetové</a:t>
-            </a:r>
-            <a:r>
-              <a:rPr lang="en-US" dirty="0">
-                <a:cs typeface="Calibri"/>
-              </a:rPr>
-              <a:t> </a:t>
-            </a:r>
-            <a:r>
-              <a:rPr lang="en-US" dirty="0" err="1">
-                <a:cs typeface="Calibri"/>
-              </a:rPr>
-              <a:t>síti</a:t>
-            </a:r>
-            <a:r>
-              <a:rPr lang="en-US" dirty="0">
-                <a:cs typeface="Calibri"/>
-              </a:rPr>
-              <a:t>, </a:t>
-            </a:r>
-            <a:r>
-              <a:rPr lang="en-US" dirty="0" err="1">
-                <a:cs typeface="Calibri"/>
-              </a:rPr>
-              <a:t>už</a:t>
-            </a:r>
-            <a:r>
-              <a:rPr lang="en-US" dirty="0">
-                <a:cs typeface="Calibri"/>
-              </a:rPr>
-              <a:t> od </a:t>
-            </a:r>
-            <a:r>
-              <a:rPr lang="en-US" dirty="0" err="1">
-                <a:cs typeface="Calibri"/>
-              </a:rPr>
-              <a:t>začátku</a:t>
-            </a:r>
-            <a:r>
-              <a:rPr lang="en-US" dirty="0">
-                <a:cs typeface="Calibri"/>
-              </a:rPr>
-              <a:t> se </a:t>
-            </a:r>
-            <a:r>
-              <a:rPr lang="en-US" dirty="0" err="1">
-                <a:cs typeface="Calibri"/>
-              </a:rPr>
-              <a:t>používá</a:t>
-            </a:r>
-            <a:r>
-              <a:rPr lang="en-US" dirty="0">
-                <a:cs typeface="Calibri"/>
-              </a:rPr>
-              <a:t> </a:t>
-            </a:r>
-            <a:r>
-              <a:rPr lang="en-US" dirty="0" err="1">
-                <a:cs typeface="Calibri"/>
-              </a:rPr>
-              <a:t>prtokol</a:t>
-            </a:r>
-            <a:r>
-              <a:rPr lang="en-US" dirty="0">
-                <a:cs typeface="Calibri"/>
-              </a:rPr>
-              <a:t> </a:t>
-            </a:r>
-            <a:r>
-              <a:rPr lang="en-US" dirty="0" err="1">
-                <a:cs typeface="Calibri"/>
-              </a:rPr>
-              <a:t>verze</a:t>
-            </a:r>
-            <a:r>
-              <a:rPr lang="en-US" dirty="0">
-                <a:cs typeface="Calibri"/>
-              </a:rPr>
-              <a:t> 4, ale z </a:t>
-            </a:r>
-            <a:r>
-              <a:rPr lang="en-US" dirty="0" err="1">
-                <a:cs typeface="Calibri"/>
-              </a:rPr>
-              <a:t>důvodu</a:t>
-            </a:r>
-            <a:r>
-              <a:rPr lang="en-US" dirty="0">
-                <a:cs typeface="Calibri"/>
-              </a:rPr>
-              <a:t> </a:t>
-            </a:r>
-            <a:r>
-              <a:rPr lang="en-US" dirty="0" err="1">
-                <a:cs typeface="Calibri"/>
-              </a:rPr>
-              <a:t>nedostatku</a:t>
-            </a:r>
-            <a:r>
-              <a:rPr lang="en-US" dirty="0">
-                <a:cs typeface="Calibri"/>
-              </a:rPr>
-              <a:t> </a:t>
-            </a:r>
-            <a:r>
-              <a:rPr lang="en-US" dirty="0" err="1">
-                <a:cs typeface="Calibri"/>
-              </a:rPr>
-              <a:t>adres</a:t>
-            </a:r>
-            <a:r>
-              <a:rPr lang="en-US" dirty="0">
-                <a:cs typeface="Calibri"/>
-              </a:rPr>
-              <a:t> se </a:t>
-            </a:r>
-            <a:r>
-              <a:rPr lang="en-US" dirty="0" err="1">
-                <a:cs typeface="Calibri"/>
-              </a:rPr>
-              <a:t>postupně</a:t>
-            </a:r>
-            <a:r>
-              <a:rPr lang="en-US" dirty="0">
-                <a:cs typeface="Calibri"/>
-              </a:rPr>
-              <a:t> </a:t>
-            </a:r>
-            <a:r>
-              <a:rPr lang="en-US" dirty="0" err="1">
-                <a:cs typeface="Calibri"/>
-              </a:rPr>
-              <a:t>přechází</a:t>
-            </a:r>
-            <a:r>
-              <a:rPr lang="en-US" dirty="0">
-                <a:cs typeface="Calibri"/>
-              </a:rPr>
-              <a:t> </a:t>
-            </a:r>
-            <a:r>
-              <a:rPr lang="en-US" dirty="0" err="1">
-                <a:cs typeface="Calibri"/>
-              </a:rPr>
-              <a:t>na</a:t>
-            </a:r>
-            <a:r>
-              <a:rPr lang="en-US" dirty="0">
-                <a:cs typeface="Calibri"/>
-              </a:rPr>
-              <a:t> </a:t>
-            </a:r>
-            <a:r>
-              <a:rPr lang="en-US" dirty="0" err="1">
-                <a:cs typeface="Calibri"/>
-              </a:rPr>
-              <a:t>jeho</a:t>
-            </a:r>
-            <a:r>
-              <a:rPr lang="en-US" dirty="0">
-                <a:cs typeface="Calibri"/>
-              </a:rPr>
-              <a:t> </a:t>
-            </a:r>
-            <a:r>
-              <a:rPr lang="en-US" dirty="0" err="1">
-                <a:cs typeface="Calibri"/>
-              </a:rPr>
-              <a:t>verzi</a:t>
-            </a:r>
-            <a:r>
-              <a:rPr lang="en-US" dirty="0">
-                <a:cs typeface="Calibri"/>
-              </a:rPr>
-              <a:t> 6</a:t>
-            </a:r>
-          </a:p>
-          <a:p>
-            <a:r>
-              <a:rPr lang="en-US" dirty="0">
-                <a:cs typeface="Calibri"/>
-              </a:rPr>
-              <a:t>K </a:t>
-            </a:r>
-            <a:r>
-              <a:rPr lang="en-US" dirty="0" err="1">
-                <a:cs typeface="Calibri"/>
-              </a:rPr>
-              <a:t>protokolům</a:t>
-            </a:r>
-            <a:r>
-              <a:rPr lang="en-US" dirty="0">
-                <a:cs typeface="Calibri"/>
-              </a:rPr>
-              <a:t> se </a:t>
-            </a:r>
-            <a:r>
-              <a:rPr lang="en-US" dirty="0" err="1">
-                <a:cs typeface="Calibri"/>
-              </a:rPr>
-              <a:t>ještě</a:t>
-            </a:r>
-            <a:r>
-              <a:rPr lang="en-US" dirty="0">
-                <a:cs typeface="Calibri"/>
-              </a:rPr>
-              <a:t> </a:t>
-            </a:r>
-            <a:r>
-              <a:rPr lang="en-US" dirty="0" err="1">
-                <a:cs typeface="Calibri"/>
-              </a:rPr>
-              <a:t>dostaneme</a:t>
-            </a:r>
+              <a:rPr lang="en-US" err="1">
+                <a:cs typeface="Calibri"/>
+              </a:rPr>
+              <a:t>ve</a:t>
+            </a:r>
+            <a:r>
+              <a:rPr lang="en-US">
+                <a:cs typeface="Calibri"/>
+              </a:rPr>
+              <a:t> 4 BYTECH NEBO 8 BYTECH, ipv4 v </a:t>
+            </a:r>
+            <a:r>
+              <a:rPr lang="en-US" err="1">
+                <a:cs typeface="Calibri"/>
+              </a:rPr>
+              <a:t>decimální</a:t>
+            </a:r>
+            <a:r>
+              <a:rPr lang="en-US">
+                <a:cs typeface="Calibri"/>
+              </a:rPr>
+              <a:t>, ipv6 </a:t>
+            </a:r>
+            <a:r>
+              <a:rPr lang="en-US" err="1">
+                <a:cs typeface="Calibri"/>
+              </a:rPr>
+              <a:t>hexadecimální</a:t>
+            </a:r>
+            <a:endParaRPr lang="en-US">
+              <a:cs typeface="Calibri"/>
+            </a:endParaRPr>
+          </a:p>
+          <a:p>
+            <a:endParaRPr lang="en-US">
+              <a:cs typeface="Calibri"/>
+            </a:endParaRPr>
           </a:p>
         </p:txBody>
       </p:sp>
@@ -1270,8 +986,7 @@
           <a:lstStyle/>
           <a:p>
             <a:fld id="{CECE4FF0-FAA7-4A1B-BDB2-1FCCA8C432BD}" type="slidenum">
-              <a:rPr lang="cs-CZ"/>
-              <a:t>4</a:t>
+              <a:t>3</a:t>
             </a:fld>
             <a:endParaRPr lang="cs-CZ"/>
           </a:p>
@@ -1280,7 +995,7 @@
     </p:spTree>
     <p:extLst>
       <p:ext uri="{BB962C8B-B14F-4D97-AF65-F5344CB8AC3E}">
-        <p14:creationId xmlns:p14="http://schemas.microsoft.com/office/powerpoint/2010/main" val="3996454981"/>
+        <p14:creationId xmlns:p14="http://schemas.microsoft.com/office/powerpoint/2010/main" val="809697085"/>
       </p:ext>
     </p:extLst>
   </p:cSld>
@@ -1334,9 +1049,326 @@
           <a:bodyPr/>
           <a:lstStyle/>
           <a:p>
-            <a:endParaRPr lang="en-US" dirty="0">
-              <a:cs typeface="Calibri"/>
-            </a:endParaRPr>
+            <a:r>
+              <a:rPr lang="en-US" dirty="0">
+                <a:cs typeface="Calibri"/>
+              </a:rPr>
+              <a:t>IP = </a:t>
+            </a:r>
+            <a:r>
+              <a:rPr lang="en-US" dirty="0" err="1">
+                <a:cs typeface="Calibri"/>
+              </a:rPr>
+              <a:t>znamená</a:t>
+            </a:r>
+            <a:r>
+              <a:rPr lang="en-US" dirty="0">
+                <a:cs typeface="Calibri"/>
+              </a:rPr>
+              <a:t> internet </a:t>
+            </a:r>
+            <a:r>
+              <a:rPr lang="en-US" dirty="0" err="1">
+                <a:cs typeface="Calibri"/>
+              </a:rPr>
+              <a:t>protokol</a:t>
+            </a:r>
+            <a:r>
+              <a:rPr lang="en-US" dirty="0">
+                <a:cs typeface="Calibri"/>
+              </a:rPr>
+              <a:t>, </a:t>
+            </a:r>
+            <a:r>
+              <a:rPr lang="en-US" dirty="0" err="1">
+                <a:cs typeface="Calibri"/>
+              </a:rPr>
+              <a:t>pomocí</a:t>
+            </a:r>
+            <a:r>
+              <a:rPr lang="en-US" dirty="0">
+                <a:cs typeface="Calibri"/>
+              </a:rPr>
+              <a:t> </a:t>
+            </a:r>
+            <a:r>
+              <a:rPr lang="en-US" dirty="0" err="1">
+                <a:cs typeface="Calibri"/>
+              </a:rPr>
+              <a:t>něj</a:t>
+            </a:r>
+            <a:r>
+              <a:rPr lang="en-US" dirty="0">
+                <a:cs typeface="Calibri"/>
+              </a:rPr>
+              <a:t> </a:t>
+            </a:r>
+            <a:r>
+              <a:rPr lang="en-US" dirty="0" err="1">
+                <a:cs typeface="Calibri"/>
+              </a:rPr>
+              <a:t>spolu</a:t>
+            </a:r>
+            <a:r>
+              <a:rPr lang="en-US" dirty="0">
+                <a:cs typeface="Calibri"/>
+              </a:rPr>
+              <a:t> </a:t>
+            </a:r>
+            <a:r>
+              <a:rPr lang="en-US" dirty="0" err="1">
+                <a:cs typeface="Calibri"/>
+              </a:rPr>
+              <a:t>komunikují</a:t>
+            </a:r>
+            <a:r>
+              <a:rPr lang="en-US" dirty="0">
+                <a:cs typeface="Calibri"/>
+              </a:rPr>
+              <a:t> </a:t>
+            </a:r>
+            <a:r>
+              <a:rPr lang="en-US" dirty="0" err="1">
+                <a:cs typeface="Calibri"/>
+              </a:rPr>
+              <a:t>zařízení</a:t>
+            </a:r>
+            <a:r>
+              <a:rPr lang="en-US" dirty="0">
+                <a:cs typeface="Calibri"/>
+              </a:rPr>
+              <a:t> v </a:t>
+            </a:r>
+            <a:r>
+              <a:rPr lang="en-US" dirty="0" err="1">
+                <a:cs typeface="Calibri"/>
+              </a:rPr>
+              <a:t>celé</a:t>
+            </a:r>
+            <a:r>
+              <a:rPr lang="en-US" dirty="0">
+                <a:cs typeface="Calibri"/>
+              </a:rPr>
+              <a:t> </a:t>
+            </a:r>
+            <a:r>
+              <a:rPr lang="en-US" dirty="0" err="1">
+                <a:cs typeface="Calibri"/>
+              </a:rPr>
+              <a:t>internetové</a:t>
+            </a:r>
+            <a:r>
+              <a:rPr lang="en-US" dirty="0">
+                <a:cs typeface="Calibri"/>
+              </a:rPr>
+              <a:t> </a:t>
+            </a:r>
+            <a:r>
+              <a:rPr lang="en-US" dirty="0" err="1">
+                <a:cs typeface="Calibri"/>
+              </a:rPr>
+              <a:t>síti</a:t>
+            </a:r>
+            <a:r>
+              <a:rPr lang="en-US" dirty="0">
+                <a:cs typeface="Calibri"/>
+              </a:rPr>
+              <a:t>, </a:t>
+            </a:r>
+            <a:r>
+              <a:rPr lang="en-US" dirty="0" err="1">
+                <a:cs typeface="Calibri"/>
+              </a:rPr>
+              <a:t>už</a:t>
+            </a:r>
+            <a:r>
+              <a:rPr lang="en-US" dirty="0">
+                <a:cs typeface="Calibri"/>
+              </a:rPr>
+              <a:t> od </a:t>
+            </a:r>
+            <a:r>
+              <a:rPr lang="en-US" dirty="0" err="1">
+                <a:cs typeface="Calibri"/>
+              </a:rPr>
+              <a:t>začátku</a:t>
+            </a:r>
+            <a:r>
+              <a:rPr lang="en-US" dirty="0">
+                <a:cs typeface="Calibri"/>
+              </a:rPr>
+              <a:t> se </a:t>
+            </a:r>
+            <a:r>
+              <a:rPr lang="en-US" dirty="0" err="1">
+                <a:cs typeface="Calibri"/>
+              </a:rPr>
+              <a:t>používá</a:t>
+            </a:r>
+            <a:r>
+              <a:rPr lang="en-US" dirty="0">
+                <a:cs typeface="Calibri"/>
+              </a:rPr>
+              <a:t> </a:t>
+            </a:r>
+            <a:r>
+              <a:rPr lang="en-US" dirty="0" err="1">
+                <a:cs typeface="Calibri"/>
+              </a:rPr>
+              <a:t>prtokol</a:t>
+            </a:r>
+            <a:r>
+              <a:rPr lang="en-US" dirty="0">
+                <a:cs typeface="Calibri"/>
+              </a:rPr>
+              <a:t> </a:t>
+            </a:r>
+            <a:r>
+              <a:rPr lang="en-US" dirty="0" err="1">
+                <a:cs typeface="Calibri"/>
+              </a:rPr>
+              <a:t>verze</a:t>
+            </a:r>
+            <a:r>
+              <a:rPr lang="en-US" dirty="0">
+                <a:cs typeface="Calibri"/>
+              </a:rPr>
+              <a:t> 4, ale z </a:t>
+            </a:r>
+            <a:r>
+              <a:rPr lang="en-US" dirty="0" err="1">
+                <a:cs typeface="Calibri"/>
+              </a:rPr>
+              <a:t>důvodu</a:t>
+            </a:r>
+            <a:r>
+              <a:rPr lang="en-US" dirty="0">
+                <a:cs typeface="Calibri"/>
+              </a:rPr>
+              <a:t> </a:t>
+            </a:r>
+            <a:r>
+              <a:rPr lang="en-US" dirty="0" err="1">
+                <a:cs typeface="Calibri"/>
+              </a:rPr>
+              <a:t>nedostatku</a:t>
+            </a:r>
+            <a:r>
+              <a:rPr lang="en-US" dirty="0">
+                <a:cs typeface="Calibri"/>
+              </a:rPr>
+              <a:t> </a:t>
+            </a:r>
+            <a:r>
+              <a:rPr lang="en-US" dirty="0" err="1">
+                <a:cs typeface="Calibri"/>
+              </a:rPr>
+              <a:t>adres</a:t>
+            </a:r>
+            <a:r>
+              <a:rPr lang="en-US" dirty="0">
+                <a:cs typeface="Calibri"/>
+              </a:rPr>
+              <a:t> se </a:t>
+            </a:r>
+            <a:r>
+              <a:rPr lang="en-US" dirty="0" err="1">
+                <a:cs typeface="Calibri"/>
+              </a:rPr>
+              <a:t>postupně</a:t>
+            </a:r>
+            <a:r>
+              <a:rPr lang="en-US" dirty="0">
+                <a:cs typeface="Calibri"/>
+              </a:rPr>
+              <a:t> </a:t>
+            </a:r>
+            <a:r>
+              <a:rPr lang="en-US" dirty="0" err="1">
+                <a:cs typeface="Calibri"/>
+              </a:rPr>
+              <a:t>přechází</a:t>
+            </a:r>
+            <a:r>
+              <a:rPr lang="en-US" dirty="0">
+                <a:cs typeface="Calibri"/>
+              </a:rPr>
+              <a:t> </a:t>
+            </a:r>
+            <a:r>
+              <a:rPr lang="en-US" dirty="0" err="1">
+                <a:cs typeface="Calibri"/>
+              </a:rPr>
+              <a:t>na</a:t>
+            </a:r>
+            <a:r>
+              <a:rPr lang="en-US" dirty="0">
+                <a:cs typeface="Calibri"/>
+              </a:rPr>
+              <a:t> </a:t>
+            </a:r>
+            <a:r>
+              <a:rPr lang="en-US" dirty="0" err="1">
+                <a:cs typeface="Calibri"/>
+              </a:rPr>
+              <a:t>jeho</a:t>
+            </a:r>
+            <a:r>
+              <a:rPr lang="en-US" dirty="0">
+                <a:cs typeface="Calibri"/>
+              </a:rPr>
+              <a:t> </a:t>
+            </a:r>
+            <a:r>
+              <a:rPr lang="en-US" dirty="0" err="1">
+                <a:cs typeface="Calibri"/>
+              </a:rPr>
+              <a:t>verzi</a:t>
+            </a:r>
+            <a:r>
+              <a:rPr lang="en-US" dirty="0">
+                <a:cs typeface="Calibri"/>
+              </a:rPr>
+              <a:t> 6</a:t>
+            </a:r>
+          </a:p>
+          <a:p>
+            <a:r>
+              <a:rPr lang="en-US" dirty="0">
+                <a:cs typeface="Calibri"/>
+              </a:rPr>
+              <a:t>K </a:t>
+            </a:r>
+            <a:r>
+              <a:rPr lang="en-US" dirty="0" err="1">
+                <a:cs typeface="Calibri"/>
+              </a:rPr>
+              <a:t>protokolům</a:t>
+            </a:r>
+            <a:r>
+              <a:rPr lang="en-US" dirty="0">
+                <a:cs typeface="Calibri"/>
+              </a:rPr>
+              <a:t> se </a:t>
+            </a:r>
+            <a:r>
+              <a:rPr lang="en-US" dirty="0" err="1">
+                <a:cs typeface="Calibri"/>
+              </a:rPr>
+              <a:t>ještě</a:t>
+            </a:r>
+            <a:r>
+              <a:rPr lang="en-US" dirty="0">
+                <a:cs typeface="Calibri"/>
+              </a:rPr>
+              <a:t> </a:t>
+            </a:r>
+            <a:r>
+              <a:rPr lang="en-US" dirty="0" err="1">
+                <a:cs typeface="Calibri"/>
+              </a:rPr>
+              <a:t>dostaneme</a:t>
+            </a:r>
           </a:p>
         </p:txBody>
       </p:sp>
@@ -1357,7 +1389,7 @@
           <a:p>
             <a:fld id="{CECE4FF0-FAA7-4A1B-BDB2-1FCCA8C432BD}" type="slidenum">
               <a:rPr lang="cs-CZ"/>
-              <a:t>5</a:t>
+              <a:t>4</a:t>
             </a:fld>
             <a:endParaRPr lang="cs-CZ"/>
           </a:p>
@@ -1366,7 +1398,7 @@
     </p:spTree>
     <p:extLst>
       <p:ext uri="{BB962C8B-B14F-4D97-AF65-F5344CB8AC3E}">
-        <p14:creationId xmlns:p14="http://schemas.microsoft.com/office/powerpoint/2010/main" val="796360719"/>
+        <p14:creationId xmlns:p14="http://schemas.microsoft.com/office/powerpoint/2010/main" val="3996454981"/>
       </p:ext>
     </p:extLst>
   </p:cSld>
@@ -1421,16 +1453,138 @@
           <a:lstStyle/>
           <a:p>
             <a:r>
+              <a:rPr lang="cs-CZ" dirty="0">
+                <a:cs typeface="Calibri"/>
+              </a:rPr>
+              <a:t>Funguje to asi </a:t>
+            </a:r>
+            <a:r>
+              <a:rPr lang="cs-CZ" dirty="0" err="1">
+                <a:cs typeface="Calibri"/>
+              </a:rPr>
+              <a:t>nejak</a:t>
+            </a:r>
+            <a:r>
+              <a:rPr lang="cs-CZ" dirty="0">
+                <a:cs typeface="Calibri"/>
+              </a:rPr>
+              <a:t> takhle. Data cestuji pomoci takzvaných </a:t>
+            </a:r>
+            <a:r>
+              <a:rPr lang="cs-CZ" dirty="0" err="1">
+                <a:cs typeface="Calibri"/>
+              </a:rPr>
+              <a:t>ip</a:t>
+            </a:r>
+            <a:r>
+              <a:rPr lang="cs-CZ" dirty="0">
+                <a:cs typeface="Calibri"/>
+              </a:rPr>
+              <a:t> datagramů.</a:t>
+            </a:r>
+            <a:endParaRPr lang="en-US" dirty="0">
+              <a:cs typeface="Calibri"/>
+            </a:endParaRPr>
+          </a:p>
+        </p:txBody>
+      </p:sp>
+      <p:sp>
+        <p:nvSpPr>
+          <p:cNvPr id="4" name="Zástupný symbol pro číslo snímku 3"/>
+          <p:cNvSpPr>
+            <a:spLocks noGrp="1"/>
+          </p:cNvSpPr>
+          <p:nvPr>
+            <p:ph type="sldNum" sz="quarter" idx="5"/>
+          </p:nvPr>
+        </p:nvSpPr>
+        <p:spPr/>
+        <p:txBody>
+          <a:bodyPr/>
+          <a:lstStyle/>
+          <a:p>
+            <a:fld id="{CECE4FF0-FAA7-4A1B-BDB2-1FCCA8C432BD}" type="slidenum">
+              <a:rPr lang="cs-CZ"/>
+              <a:t>5</a:t>
+            </a:fld>
+            <a:endParaRPr lang="cs-CZ"/>
+          </a:p>
+        </p:txBody>
+      </p:sp>
+    </p:spTree>
+    <p:extLst>
+      <p:ext uri="{BB962C8B-B14F-4D97-AF65-F5344CB8AC3E}">
+        <p14:creationId xmlns:p14="http://schemas.microsoft.com/office/powerpoint/2010/main" val="796360719"/>
+      </p:ext>
+    </p:extLst>
+  </p:cSld>
+  <p:clrMapOvr>
+    <a:masterClrMapping/>
+  </p:clrMapOvr>
+</p:notes>
+</file>
+
+<file path=ppt/notesSlides/notesSlide6.xml><?xml version="1.0" encoding="utf-8"?>
+<p:notes xmlns:a="http://schemas.openxmlformats.org/drawingml/2006/main" xmlns:r="http://schemas.openxmlformats.org/officeDocument/2006/relationships" xmlns:p="http://schemas.openxmlformats.org/presentationml/2006/main">
+  <p:cSld>
+    <p:spTree>
+      <p:nvGrpSpPr>
+        <p:cNvPr id="1" name=""/>
+        <p:cNvGrpSpPr/>
+        <p:nvPr/>
+      </p:nvGrpSpPr>
+      <p:grpSpPr>
+        <a:xfrm>
+          <a:off x="0" y="0"/>
+          <a:ext cx="0" cy="0"/>
+          <a:chOff x="0" y="0"/>
+          <a:chExt cx="0" cy="0"/>
+        </a:xfrm>
+      </p:grpSpPr>
+      <p:sp>
+        <p:nvSpPr>
+          <p:cNvPr id="2" name="Zástupný symbol pro obrázek snímku 1"/>
+          <p:cNvSpPr>
+            <a:spLocks noGrp="1" noRot="1" noChangeAspect="1"/>
+          </p:cNvSpPr>
+          <p:nvPr>
+            <p:ph type="sldImg"/>
+          </p:nvPr>
+        </p:nvSpPr>
+        <p:spPr/>
+      </p:sp>
+      <p:sp>
+        <p:nvSpPr>
+          <p:cNvPr id="3" name="Zástupný symbol pro poznámky 2"/>
+          <p:cNvSpPr>
+            <a:spLocks noGrp="1"/>
+          </p:cNvSpPr>
+          <p:nvPr>
+            <p:ph type="body" idx="1"/>
+          </p:nvPr>
+        </p:nvSpPr>
+        <p:spPr/>
+        <p:txBody>
+          <a:bodyPr/>
+          <a:lstStyle/>
+          <a:p>
+            <a:r>
+              <a:rPr lang="en-US" dirty="0" err="1">
+                <a:cs typeface="Calibri"/>
+              </a:rPr>
+              <a:t>což</a:t>
+            </a:r>
+            <a:r>
               <a:rPr lang="en-US" dirty="0">
                 <a:cs typeface="Calibri"/>
               </a:rPr>
-              <a:t>Data se </a:t>
+              <a:t> je </a:t>
             </a:r>
             <a:r>
               <a:rPr lang="en-US" dirty="0" err="1">
                 <a:cs typeface="Calibri"/>
               </a:rPr>
-              <a:t>přenášejí</a:t>
+              <a:t>datový</a:t>
             </a:r>
             <a:r>
               <a:rPr lang="en-US" dirty="0">
@@ -1442,80 +1596,41 @@
               <a:rPr lang="en-US" dirty="0" err="1">
                 <a:cs typeface="Calibri"/>
               </a:rPr>
-              <a:t>ve</a:t>
+              <a:t>paket</a:t>
             </a:r>
             <a:r>
               <a:rPr lang="en-US" dirty="0">
                 <a:cs typeface="Calibri"/>
               </a:rPr>
-              <a:t> </a:t>
+              <a:t> v IP </a:t>
             </a:r>
             <a:r>
               <a:rPr lang="en-US" dirty="0" err="1">
                 <a:cs typeface="Calibri"/>
               </a:rPr>
-              <a:t>formě</a:t>
-            </a:r>
-            <a:r>
-              <a:rPr lang="en-US" dirty="0">
-                <a:cs typeface="Calibri"/>
-              </a:rPr>
-              <a:t> </a:t>
-            </a:r>
-            <a:r>
-              <a:rPr lang="en-US" dirty="0" err="1">
-                <a:cs typeface="Calibri"/>
-              </a:rPr>
-              <a:t>takzvaných</a:t>
-            </a:r>
-            <a:r>
-              <a:rPr lang="en-US" dirty="0">
-                <a:cs typeface="Calibri"/>
-              </a:rPr>
-              <a:t> IP DATAGRAMŮ, </a:t>
-            </a:r>
-            <a:r>
-              <a:rPr lang="en-US" dirty="0" err="1">
-                <a:cs typeface="Calibri"/>
-              </a:rPr>
-              <a:t>což</a:t>
-            </a:r>
-            <a:r>
-              <a:rPr lang="en-US" dirty="0">
-                <a:cs typeface="Calibri"/>
-              </a:rPr>
-              <a:t> je </a:t>
-            </a:r>
-            <a:r>
-              <a:rPr lang="en-US" dirty="0" err="1">
-                <a:cs typeface="Calibri"/>
-              </a:rPr>
-              <a:t>datový</a:t>
-            </a:r>
-            <a:r>
-              <a:rPr lang="en-US" dirty="0">
-                <a:cs typeface="Calibri"/>
-              </a:rPr>
-              <a:t> </a:t>
-            </a:r>
-            <a:r>
-              <a:rPr lang="en-US" dirty="0" err="1">
-                <a:cs typeface="Calibri"/>
-              </a:rPr>
-              <a:t>paket</a:t>
-            </a:r>
-            <a:r>
-              <a:rPr lang="en-US" dirty="0">
-                <a:cs typeface="Calibri"/>
-              </a:rPr>
-              <a:t> v IP </a:t>
-            </a:r>
-            <a:r>
-              <a:rPr lang="en-US" dirty="0" err="1">
-                <a:cs typeface="Calibri"/>
-              </a:rPr>
               <a:t>protokolu</a:t>
             </a:r>
+            <a:r>
+              <a:rPr lang="cs-CZ" dirty="0">
+                <a:cs typeface="Calibri"/>
+              </a:rPr>
+              <a:t> (blok dat). Také samozřejmě je důležité zmínit, od kdy, k čemu a kde a proč se </a:t>
+            </a:r>
+            <a:r>
+              <a:rPr lang="cs-CZ" dirty="0" err="1">
+                <a:cs typeface="Calibri"/>
+              </a:rPr>
+              <a:t>ip</a:t>
+            </a:r>
+            <a:r>
+              <a:rPr lang="cs-CZ" dirty="0">
+                <a:cs typeface="Calibri"/>
+              </a:rPr>
+              <a:t> adresy používají</a:t>
+            </a:r>
+            <a:endParaRPr lang="en-US" dirty="0" err="1">
+              <a:cs typeface="Calibri"/>
+            </a:endParaRPr>
           </a:p>
         </p:txBody>
       </p:sp>
@@ -1546,6 +1661,417 @@
     <p:extLst>
       <p:ext uri="{BB962C8B-B14F-4D97-AF65-F5344CB8AC3E}">
         <p14:creationId xmlns:p14="http://schemas.microsoft.com/office/powerpoint/2010/main" val="231099542"/>
+      </p:ext>
+    </p:extLst>
+  </p:cSld>
+  <p:clrMapOvr>
+    <a:masterClrMapping/>
+  </p:clrMapOvr>
+</p:notes>
+</file>
+
+<file path=ppt/notesSlides/notesSlide7.xml><?xml version="1.0" encoding="utf-8"?>
+<p:notes xmlns:a="http://schemas.openxmlformats.org/drawingml/2006/main" xmlns:r="http://schemas.openxmlformats.org/officeDocument/2006/relationships" xmlns:p="http://schemas.openxmlformats.org/presentationml/2006/main">
+  <p:cSld>
+    <p:spTree>
+      <p:nvGrpSpPr>
+        <p:cNvPr id="1" name=""/>
+        <p:cNvGrpSpPr/>
+        <p:nvPr/>
+      </p:nvGrpSpPr>
+      <p:grpSpPr>
+        <a:xfrm>
+          <a:off x="0" y="0"/>
+          <a:ext cx="0" cy="0"/>
+          <a:chOff x="0" y="0"/>
+          <a:chExt cx="0" cy="0"/>
+        </a:xfrm>
+      </p:grpSpPr>
+      <p:sp>
+        <p:nvSpPr>
+          <p:cNvPr id="2" name="Zástupný symbol pro obrázek snímku 1"/>
+          <p:cNvSpPr>
+            <a:spLocks noGrp="1" noRot="1" noChangeAspect="1"/>
+          </p:cNvSpPr>
+          <p:nvPr>
+            <p:ph type="sldImg"/>
+          </p:nvPr>
+        </p:nvSpPr>
+        <p:spPr/>
+      </p:sp>
+      <p:sp>
+        <p:nvSpPr>
+          <p:cNvPr id="3" name="Zástupný symbol pro poznámky 2"/>
+          <p:cNvSpPr>
+            <a:spLocks noGrp="1"/>
+          </p:cNvSpPr>
+          <p:nvPr>
+            <p:ph type="body" idx="1"/>
+          </p:nvPr>
+        </p:nvSpPr>
+        <p:spPr/>
+        <p:txBody>
+          <a:bodyPr/>
+          <a:lstStyle/>
+          <a:p>
+            <a:r>
+              <a:rPr lang="cs-CZ" dirty="0"/>
+              <a:t>IP adresa slouží pro rozlišení síťových rozhraní připojených k síti, pro adresování (určení umístění) a směrování (určování cest) dat v internetové komunikaci a také slouží pro jedinečnou identifikaci zařízení</a:t>
+            </a:r>
+          </a:p>
+        </p:txBody>
+      </p:sp>
+      <p:sp>
+        <p:nvSpPr>
+          <p:cNvPr id="4" name="Zástupný symbol pro číslo snímku 3"/>
+          <p:cNvSpPr>
+            <a:spLocks noGrp="1"/>
+          </p:cNvSpPr>
+          <p:nvPr>
+            <p:ph type="sldNum" sz="quarter" idx="5"/>
+          </p:nvPr>
+        </p:nvSpPr>
+        <p:spPr/>
+        <p:txBody>
+          <a:bodyPr/>
+          <a:lstStyle/>
+          <a:p>
+            <a:fld id="{CECE4FF0-FAA7-4A1B-BDB2-1FCCA8C432BD}" type="slidenum">
+              <a:rPr lang="cs-CZ" smtClean="0"/>
+              <a:t>7</a:t>
+            </a:fld>
+            <a:endParaRPr lang="cs-CZ"/>
+          </a:p>
+        </p:txBody>
+      </p:sp>
+    </p:spTree>
+    <p:extLst>
+      <p:ext uri="{BB962C8B-B14F-4D97-AF65-F5344CB8AC3E}">
+        <p14:creationId xmlns:p14="http://schemas.microsoft.com/office/powerpoint/2010/main" val="3666381062"/>
+      </p:ext>
+    </p:extLst>
+  </p:cSld>
+  <p:clrMapOvr>
+    <a:masterClrMapping/>
+  </p:clrMapOvr>
+</p:notes>
+</file>
+
+<file path=ppt/notesSlides/notesSlide8.xml><?xml version="1.0" encoding="utf-8"?>
+<p:notes xmlns:a="http://schemas.openxmlformats.org/drawingml/2006/main" xmlns:r="http://schemas.openxmlformats.org/officeDocument/2006/relationships" xmlns:p="http://schemas.openxmlformats.org/presentationml/2006/main">
+  <p:cSld>
+    <p:spTree>
+      <p:nvGrpSpPr>
+        <p:cNvPr id="1" name=""/>
+        <p:cNvGrpSpPr/>
+        <p:nvPr/>
+      </p:nvGrpSpPr>
+      <p:grpSpPr>
+        <a:xfrm>
+          <a:off x="0" y="0"/>
+          <a:ext cx="0" cy="0"/>
+          <a:chOff x="0" y="0"/>
+          <a:chExt cx="0" cy="0"/>
+        </a:xfrm>
+      </p:grpSpPr>
+      <p:sp>
+        <p:nvSpPr>
+          <p:cNvPr id="2" name="Zástupný symbol pro obrázek snímku 1"/>
+          <p:cNvSpPr>
+            <a:spLocks noGrp="1" noRot="1" noChangeAspect="1"/>
+          </p:cNvSpPr>
+          <p:nvPr>
+            <p:ph type="sldImg"/>
+          </p:nvPr>
+        </p:nvSpPr>
+        <p:spPr/>
+      </p:sp>
+      <p:sp>
+        <p:nvSpPr>
+          <p:cNvPr id="3" name="Zástupný symbol pro poznámky 2"/>
+          <p:cNvSpPr>
+            <a:spLocks noGrp="1"/>
+          </p:cNvSpPr>
+          <p:nvPr>
+            <p:ph type="body" idx="1"/>
+          </p:nvPr>
+        </p:nvSpPr>
+        <p:spPr/>
+        <p:txBody>
+          <a:bodyPr/>
+          <a:lstStyle/>
+          <a:p>
+            <a:r>
+              <a:rPr lang="pl-PL" b="0" i="0" dirty="0">
+                <a:solidFill>
+                  <a:srgbClr val="BDC1C6"/>
+                </a:solidFill>
+                <a:effectLst/>
+                <a:latin typeface="arial" panose="020B0604020202020204" pitchFamily="34" charset="0"/>
+              </a:rPr>
+              <a:t>původní standard IP adres pochází už z roku </a:t>
+            </a:r>
+            <a:r>
+              <a:rPr lang="pl-PL" b="1" i="0" dirty="0">
+                <a:solidFill>
+                  <a:srgbClr val="BDC1C6"/>
+                </a:solidFill>
+                <a:effectLst/>
+                <a:latin typeface="arial" panose="020B0604020202020204" pitchFamily="34" charset="0"/>
+              </a:rPr>
+              <a:t>1984, </a:t>
+            </a:r>
+            <a:r>
+              <a:rPr lang="cs-CZ" b="0" i="0" dirty="0">
+                <a:solidFill>
+                  <a:srgbClr val="BDC1C6"/>
+                </a:solidFill>
+                <a:effectLst/>
+                <a:latin typeface="arial" panose="020B0604020202020204" pitchFamily="34" charset="0"/>
+              </a:rPr>
+              <a:t>hovoříme o dobře známém standardu IPv4. Starší verze 4 (IPv4) je v současné době stále nejrozšířenější. Používá 32bitové IP adresy, které jsou zapisovány po osmi bitech oddělených tečkou.</a:t>
+            </a:r>
+          </a:p>
+          <a:p>
+            <a:r>
+              <a:rPr lang="cs-CZ" b="0" i="0" dirty="0">
+                <a:solidFill>
+                  <a:srgbClr val="BDC1C6"/>
+                </a:solidFill>
+                <a:effectLst/>
+                <a:latin typeface="arial" panose="020B0604020202020204" pitchFamily="34" charset="0"/>
+              </a:rPr>
+              <a:t>Říjen 1969, Tehdy poslal student programování první zprávu přes počítačovou síť ARPANET, zpráva zněla: </a:t>
+            </a:r>
+            <a:r>
+              <a:rPr lang="cs-CZ" b="0" i="0" dirty="0" err="1">
+                <a:solidFill>
+                  <a:srgbClr val="BDC1C6"/>
+                </a:solidFill>
+                <a:effectLst/>
+                <a:latin typeface="arial" panose="020B0604020202020204" pitchFamily="34" charset="0"/>
+              </a:rPr>
+              <a:t>lo</a:t>
+            </a:r>
+            <a:r>
+              <a:rPr lang="cs-CZ" b="0" i="0" dirty="0">
+                <a:solidFill>
+                  <a:srgbClr val="BDC1C6"/>
+                </a:solidFill>
+                <a:effectLst/>
+                <a:latin typeface="arial" panose="020B0604020202020204" pitchFamily="34" charset="0"/>
+              </a:rPr>
+              <a:t>. Mělo se jednat o login. Také je za zmínku zmínit, kde se používají </a:t>
+            </a:r>
+            <a:r>
+              <a:rPr lang="cs-CZ" b="0" i="0" dirty="0" err="1">
+                <a:solidFill>
+                  <a:srgbClr val="BDC1C6"/>
+                </a:solidFill>
+                <a:effectLst/>
+                <a:latin typeface="arial" panose="020B0604020202020204" pitchFamily="34" charset="0"/>
+              </a:rPr>
+              <a:t>ip</a:t>
+            </a:r>
+            <a:r>
+              <a:rPr lang="cs-CZ" b="0" i="0" dirty="0">
+                <a:solidFill>
+                  <a:srgbClr val="BDC1C6"/>
+                </a:solidFill>
+                <a:effectLst/>
+                <a:latin typeface="arial" panose="020B0604020202020204" pitchFamily="34" charset="0"/>
+              </a:rPr>
+              <a:t> adresy</a:t>
+            </a:r>
+            <a:endParaRPr lang="cs-CZ" dirty="0"/>
+          </a:p>
+        </p:txBody>
+      </p:sp>
+      <p:sp>
+        <p:nvSpPr>
+          <p:cNvPr id="4" name="Zástupný symbol pro číslo snímku 3"/>
+          <p:cNvSpPr>
+            <a:spLocks noGrp="1"/>
+          </p:cNvSpPr>
+          <p:nvPr>
+            <p:ph type="sldNum" sz="quarter" idx="5"/>
+          </p:nvPr>
+        </p:nvSpPr>
+        <p:spPr/>
+        <p:txBody>
+          <a:bodyPr/>
+          <a:lstStyle/>
+          <a:p>
+            <a:fld id="{CECE4FF0-FAA7-4A1B-BDB2-1FCCA8C432BD}" type="slidenum">
+              <a:rPr lang="cs-CZ" smtClean="0"/>
+              <a:t>8</a:t>
+            </a:fld>
+            <a:endParaRPr lang="cs-CZ"/>
+          </a:p>
+        </p:txBody>
+      </p:sp>
+    </p:spTree>
+    <p:extLst>
+      <p:ext uri="{BB962C8B-B14F-4D97-AF65-F5344CB8AC3E}">
+        <p14:creationId xmlns:p14="http://schemas.microsoft.com/office/powerpoint/2010/main" val="271967121"/>
+      </p:ext>
+    </p:extLst>
+  </p:cSld>
+  <p:clrMapOvr>
+    <a:masterClrMapping/>
+  </p:clrMapOvr>
+</p:notes>
+</file>
+
+<file path=ppt/notesSlides/notesSlide9.xml><?xml version="1.0" encoding="utf-8"?>
+<p:notes xmlns:a="http://schemas.openxmlformats.org/drawingml/2006/main" xmlns:r="http://schemas.openxmlformats.org/officeDocument/2006/relationships" xmlns:p="http://schemas.openxmlformats.org/presentationml/2006/main">
+  <p:cSld>
+    <p:spTree>
+      <p:nvGrpSpPr>
+        <p:cNvPr id="1" name=""/>
+        <p:cNvGrpSpPr/>
+        <p:nvPr/>
+      </p:nvGrpSpPr>
+      <p:grpSpPr>
+        <a:xfrm>
+          <a:off x="0" y="0"/>
+          <a:ext cx="0" cy="0"/>
+          <a:chOff x="0" y="0"/>
+          <a:chExt cx="0" cy="0"/>
+        </a:xfrm>
+      </p:grpSpPr>
+      <p:sp>
+        <p:nvSpPr>
+          <p:cNvPr id="2" name="Zástupný symbol pro obrázek snímku 1"/>
+          <p:cNvSpPr>
+            <a:spLocks noGrp="1" noRot="1" noChangeAspect="1"/>
+          </p:cNvSpPr>
+          <p:nvPr>
+            <p:ph type="sldImg"/>
+          </p:nvPr>
+        </p:nvSpPr>
+        <p:spPr/>
+      </p:sp>
+      <p:sp>
+        <p:nvSpPr>
+          <p:cNvPr id="3" name="Zástupný symbol pro poznámky 2"/>
+          <p:cNvSpPr>
+            <a:spLocks noGrp="1"/>
+          </p:cNvSpPr>
+          <p:nvPr>
+            <p:ph type="body" idx="1"/>
+          </p:nvPr>
+        </p:nvSpPr>
+        <p:spPr/>
+        <p:txBody>
+          <a:bodyPr/>
+          <a:lstStyle/>
+          <a:p>
+            <a:r>
+              <a:rPr lang="cs-CZ" dirty="0"/>
+              <a:t>Zařízení ve vnitřních sítích (Wi-Fi nebo Ethernet) má přiděleno vlastní IP adresu (obvykle routerem) </a:t>
+            </a:r>
+            <a:r>
+              <a:rPr lang="cs-CZ" b="0" i="0" dirty="0">
+                <a:solidFill>
+                  <a:srgbClr val="BDC1C6"/>
+                </a:solidFill>
+                <a:effectLst/>
+                <a:latin typeface="arial" panose="020B0604020202020204" pitchFamily="34" charset="0"/>
+              </a:rPr>
+              <a:t>Tak mohou komunikovat i všechny uzly ve vnitřní síti. Protokol, který router používá k přiřazování IP adres, se nazývá </a:t>
+            </a:r>
+            <a:r>
+              <a:rPr lang="cs-CZ" b="0" i="0" dirty="0" err="1">
+                <a:solidFill>
+                  <a:srgbClr val="BDC1C6"/>
+                </a:solidFill>
+                <a:effectLst/>
+                <a:latin typeface="arial" panose="020B0604020202020204" pitchFamily="34" charset="0"/>
+              </a:rPr>
+              <a:t>Dynamic</a:t>
+            </a:r>
+            <a:r>
+              <a:rPr lang="cs-CZ" b="0" i="0" dirty="0">
+                <a:solidFill>
+                  <a:srgbClr val="BDC1C6"/>
+                </a:solidFill>
+                <a:effectLst/>
+                <a:latin typeface="arial" panose="020B0604020202020204" pitchFamily="34" charset="0"/>
+              </a:rPr>
+              <a:t> Host </a:t>
+            </a:r>
+            <a:r>
+              <a:rPr lang="cs-CZ" b="0" i="0" dirty="0" err="1">
+                <a:solidFill>
+                  <a:srgbClr val="BDC1C6"/>
+                </a:solidFill>
+                <a:effectLst/>
+                <a:latin typeface="arial" panose="020B0604020202020204" pitchFamily="34" charset="0"/>
+              </a:rPr>
+              <a:t>Control</a:t>
+            </a:r>
+            <a:r>
+              <a:rPr lang="cs-CZ" b="0" i="0" dirty="0">
+                <a:solidFill>
+                  <a:srgbClr val="BDC1C6"/>
+                </a:solidFill>
+                <a:effectLst/>
+                <a:latin typeface="arial" panose="020B0604020202020204" pitchFamily="34" charset="0"/>
+              </a:rPr>
+              <a:t> </a:t>
+            </a:r>
+            <a:r>
+              <a:rPr lang="cs-CZ" b="0" i="0" dirty="0" err="1">
+                <a:solidFill>
+                  <a:srgbClr val="BDC1C6"/>
+                </a:solidFill>
+                <a:effectLst/>
+                <a:latin typeface="arial" panose="020B0604020202020204" pitchFamily="34" charset="0"/>
+              </a:rPr>
+              <a:t>Protocol</a:t>
+            </a:r>
+            <a:r>
+              <a:rPr lang="cs-CZ" b="0" i="0" dirty="0">
+                <a:solidFill>
+                  <a:srgbClr val="BDC1C6"/>
+                </a:solidFill>
+                <a:effectLst/>
+                <a:latin typeface="arial" panose="020B0604020202020204" pitchFamily="34" charset="0"/>
+              </a:rPr>
+              <a:t> (DHCP)</a:t>
+            </a:r>
+            <a:endParaRPr lang="cs-CZ" dirty="0"/>
+          </a:p>
+        </p:txBody>
+      </p:sp>
+      <p:sp>
+        <p:nvSpPr>
+          <p:cNvPr id="4" name="Zástupný symbol pro číslo snímku 3"/>
+          <p:cNvSpPr>
+            <a:spLocks noGrp="1"/>
+          </p:cNvSpPr>
+          <p:nvPr>
+            <p:ph type="sldNum" sz="quarter" idx="5"/>
+          </p:nvPr>
+        </p:nvSpPr>
+        <p:spPr/>
+        <p:txBody>
+          <a:bodyPr/>
+          <a:lstStyle/>
+          <a:p>
+            <a:fld id="{CECE4FF0-FAA7-4A1B-BDB2-1FCCA8C432BD}" type="slidenum">
+              <a:rPr lang="cs-CZ" smtClean="0"/>
+              <a:t>9</a:t>
+            </a:fld>
+            <a:endParaRPr lang="cs-CZ"/>
+          </a:p>
+        </p:txBody>
+      </p:sp>
+    </p:spTree>
+    <p:extLst>
+      <p:ext uri="{BB962C8B-B14F-4D97-AF65-F5344CB8AC3E}">
+        <p14:creationId xmlns:p14="http://schemas.microsoft.com/office/powerpoint/2010/main" val="3290371226"/>
       </p:ext>
     </p:extLst>
   </p:cSld>
@@ -1702,7 +2228,7 @@
           <a:p>
             <a:fld id="{F4D57BDD-E64A-4D27-8978-82FFCA18A12C}" type="datetimeFigureOut">
               <a:rPr lang="en-US" smtClean="0"/>
-              <a:t>1/5/2023</a:t>
+              <a:t>1/7/2023</a:t>
             </a:fld>
             <a:endParaRPr lang="en-US"/>
           </a:p>
@@ -1910,7 +2436,7 @@
           <a:p>
             <a:fld id="{F4D57BDD-E64A-4D27-8978-82FFCA18A12C}" type="datetimeFigureOut">
               <a:rPr lang="en-US" smtClean="0"/>
-              <a:t>1/5/2023</a:t>
+              <a:t>1/7/2023</a:t>
             </a:fld>
             <a:endParaRPr lang="en-US"/>
           </a:p>
@@ -2118,7 +2644,7 @@
           <a:p>
             <a:fld id="{F4D57BDD-E64A-4D27-8978-82FFCA18A12C}" type="datetimeFigureOut">
               <a:rPr lang="en-US" smtClean="0"/>
-              <a:t>1/5/2023</a:t>
+              <a:t>1/7/2023</a:t>
             </a:fld>
             <a:endParaRPr lang="en-US"/>
           </a:p>
@@ -2316,7 +2842,7 @@
           <a:p>
             <a:fld id="{F4D57BDD-E64A-4D27-8978-82FFCA18A12C}" type="datetimeFigureOut">
               <a:rPr lang="en-US" smtClean="0"/>
-              <a:t>1/5/2023</a:t>
+              <a:t>1/7/2023</a:t>
             </a:fld>
             <a:endParaRPr lang="en-US"/>
           </a:p>
@@ -2591,7 +3117,7 @@
           <a:p>
             <a:fld id="{F4D57BDD-E64A-4D27-8978-82FFCA18A12C}" type="datetimeFigureOut">
               <a:rPr lang="en-US" smtClean="0"/>
-              <a:t>1/5/2023</a:t>
+              <a:t>1/7/2023</a:t>
             </a:fld>
             <a:endParaRPr lang="en-US"/>
           </a:p>
@@ -2861,7 +3387,7 @@
           <a:p>
             <a:fld id="{F4D57BDD-E64A-4D27-8978-82FFCA18A12C}" type="datetimeFigureOut">
               <a:rPr lang="en-US" smtClean="0"/>
-              <a:t>1/5/2023</a:t>
+              <a:t>1/7/2023</a:t>
             </a:fld>
             <a:endParaRPr lang="en-US"/>
           </a:p>
@@ -3273,7 +3799,7 @@
           <a:p>
             <a:fld id="{F4D57BDD-E64A-4D27-8978-82FFCA18A12C}" type="datetimeFigureOut">
               <a:rPr lang="en-US" smtClean="0"/>
-              <a:t>1/5/2023</a:t>
+              <a:t>1/7/2023</a:t>
             </a:fld>
             <a:endParaRPr lang="en-US"/>
           </a:p>
@@ -3419,7 +3945,7 @@
           <a:p>
             <a:fld id="{F4D57BDD-E64A-4D27-8978-82FFCA18A12C}" type="datetimeFigureOut">
               <a:rPr lang="en-US" smtClean="0"/>
-              <a:t>1/5/2023</a:t>
+              <a:t>1/7/2023</a:t>
             </a:fld>
             <a:endParaRPr lang="en-US"/>
           </a:p>
@@ -3532,7 +4058,7 @@
           <a:p>
             <a:fld id="{F4D57BDD-E64A-4D27-8978-82FFCA18A12C}" type="datetimeFigureOut">
               <a:rPr lang="en-US" smtClean="0"/>
-              <a:t>1/5/2023</a:t>
+              <a:t>1/7/2023</a:t>
             </a:fld>
             <a:endParaRPr lang="en-US"/>
           </a:p>
@@ -3843,7 +4369,7 @@
           <a:p>
             <a:fld id="{F4D57BDD-E64A-4D27-8978-82FFCA18A12C}" type="datetimeFigureOut">
               <a:rPr lang="en-US" smtClean="0"/>
-              <a:t>1/5/2023</a:t>
+              <a:t>1/7/2023</a:t>
             </a:fld>
             <a:endParaRPr lang="en-US"/>
           </a:p>
@@ -4134,7 +4660,7 @@
           <a:p>
             <a:fld id="{F4D57BDD-E64A-4D27-8978-82FFCA18A12C}" type="datetimeFigureOut">
               <a:rPr lang="en-US" smtClean="0"/>
-              <a:t>1/5/2023</a:t>
+              <a:t>1/7/2023</a:t>
             </a:fld>
             <a:endParaRPr lang="en-US"/>
           </a:p>
@@ -4374,7 +4900,7 @@
             <a:fld id="{F4D57BDD-E64A-4D27-8978-82FFCA18A12C}" type="datetimeFigureOut">
               <a:rPr lang="en-US" smtClean="0"/>
               <a:pPr/>
-              <a:t>1/5/2023</a:t>
+              <a:t>1/7/2023</a:t>
             </a:fld>
             <a:endParaRPr lang="en-US"/>
           </a:p>
@@ -4875,7 +5401,7 @@
           <p:nvPr/>
         </p:nvPicPr>
         <p:blipFill rotWithShape="1">
-          <a:blip r:embed="rId2"/>
+          <a:blip r:embed="rId3"/>
           <a:srcRect t="4882" r="1" b="10846"/>
           <a:stretch/>
         </p:blipFill>
@@ -5489,7 +6015,7 @@
                             </p:stCondLst>
                             <p:childTnLst>
                               <p:par>
-                                <p:cTn id="5" presetID="2" presetClass="entr" presetSubtype="4" fill="hold" grpId="0" nodeType="clickEffect">
+                                <p:cTn id="5" presetID="42" presetClass="entr" presetSubtype="0" fill="hold" grpId="0" nodeType="clickEffect">
                                   <p:stCondLst>
                                     <p:cond delay="0"/>
                                   </p:stCondLst>
@@ -5512,9 +6038,17 @@
                                         <p:strVal val="visible"/>
                                       </p:to>
                                     </p:set>
+                                    <p:animEffect transition="in" filter="fade">
+                                      <p:cBhvr>
+                                        <p:cTn id="7" dur="1000"/>
+                                        <p:tgtEl>
+                                          <p:spTgt spid="2"/>
+                                        </p:tgtEl>
+                                      </p:cBhvr>
+                                    </p:animEffect>
                                     <p:anim calcmode="lin" valueType="num">
-                                      <p:cBhvr additive="base">
-                                        <p:cTn id="7" dur="500" fill="hold"/>
+                                      <p:cBhvr>
+                                        <p:cTn id="8" dur="1000" fill="hold"/>
                                         <p:tgtEl>
                                           <p:spTgt spid="2"/>
                                         </p:tgtEl>
@@ -5536,8 +6070,8 @@
                                       </p:tavLst>
                                     </p:anim>
                                     <p:anim calcmode="lin" valueType="num">
-                                      <p:cBhvr additive="base">
-                                        <p:cTn id="8" dur="500" fill="hold"/>
+                                      <p:cBhvr>
+                                        <p:cTn id="9" dur="1000" fill="hold"/>
                                         <p:tgtEl>
                                           <p:spTgt spid="2"/>
                                         </p:tgtEl>
@@ -5548,7 +6082,7 @@
                                       <p:tavLst>
                                         <p:tav tm="0">
                                           <p:val>
-                                            <p:strVal val="1+#ppt_h/2"/>
+                                            <p:strVal val="#ppt_y+.1"/>
                                           </p:val>
                                         </p:tav>
                                         <p:tav tm="100000">
@@ -5568,26 +6102,26 @@
                     </p:cTn>
                   </p:par>
                   <p:par>
-                    <p:cTn id="9" fill="hold">
+                    <p:cTn id="10" fill="hold">
                       <p:stCondLst>
                         <p:cond delay="indefinite"/>
                       </p:stCondLst>
                       <p:childTnLst>
                         <p:par>
-                          <p:cTn id="10" fill="hold">
+                          <p:cTn id="11" fill="hold">
                             <p:stCondLst>
                               <p:cond delay="0"/>
                             </p:stCondLst>
                             <p:childTnLst>
                               <p:par>
-                                <p:cTn id="11" presetID="10" presetClass="entr" presetSubtype="0" fill="hold" grpId="0" nodeType="clickEffect">
+                                <p:cTn id="12" presetID="10" presetClass="entr" presetSubtype="0" fill="hold" grpId="0" nodeType="clickEffect">
                                   <p:stCondLst>
                                     <p:cond delay="0"/>
                                   </p:stCondLst>
                                   <p:childTnLst>
                                     <p:set>
                                       <p:cBhvr>
-                                        <p:cTn id="12" dur="1" fill="hold">
+                                        <p:cTn id="13" dur="1" fill="hold">
                                           <p:stCondLst>
                                             <p:cond delay="0"/>
                                           </p:stCondLst>
@@ -5605,7 +6139,7 @@
                                     </p:set>
                                     <p:animEffect transition="in" filter="fade">
                                       <p:cBhvr>
-                                        <p:cTn id="13" dur="500"/>
+                                        <p:cTn id="14" dur="500"/>
                                         <p:tgtEl>
                                           <p:spTgt spid="9"/>
                                         </p:tgtEl>
@@ -5621,26 +6155,26 @@
                     </p:cTn>
                   </p:par>
                   <p:par>
-                    <p:cTn id="14" fill="hold">
+                    <p:cTn id="15" fill="hold">
                       <p:stCondLst>
                         <p:cond delay="indefinite"/>
                       </p:stCondLst>
                       <p:childTnLst>
                         <p:par>
-                          <p:cTn id="15" fill="hold">
+                          <p:cTn id="16" fill="hold">
                             <p:stCondLst>
                               <p:cond delay="0"/>
                             </p:stCondLst>
                             <p:childTnLst>
                               <p:par>
-                                <p:cTn id="16" presetID="10" presetClass="entr" presetSubtype="0" fill="hold" grpId="0" nodeType="clickEffect">
+                                <p:cTn id="17" presetID="10" presetClass="entr" presetSubtype="0" fill="hold" grpId="0" nodeType="clickEffect">
                                   <p:stCondLst>
                                     <p:cond delay="0"/>
                                   </p:stCondLst>
                                   <p:childTnLst>
                                     <p:set>
                                       <p:cBhvr>
-                                        <p:cTn id="17" dur="1" fill="hold">
+                                        <p:cTn id="18" dur="1" fill="hold">
                                           <p:stCondLst>
                                             <p:cond delay="0"/>
                                           </p:stCondLst>
@@ -5658,7 +6192,7 @@
                                     </p:set>
                                     <p:animEffect transition="in" filter="fade">
                                       <p:cBhvr>
-                                        <p:cTn id="18" dur="500"/>
+                                        <p:cTn id="19" dur="500"/>
                                         <p:tgtEl>
                                           <p:spTgt spid="10"/>
                                         </p:tgtEl>
@@ -5674,26 +6208,26 @@
                     </p:cTn>
                   </p:par>
                   <p:par>
-                    <p:cTn id="19" fill="hold">
+                    <p:cTn id="20" fill="hold">
                       <p:stCondLst>
                         <p:cond delay="indefinite"/>
                       </p:stCondLst>
                       <p:childTnLst>
                         <p:par>
-                          <p:cTn id="20" fill="hold">
+                          <p:cTn id="21" fill="hold">
                             <p:stCondLst>
                               <p:cond delay="0"/>
                             </p:stCondLst>
                             <p:childTnLst>
                               <p:par>
-                                <p:cTn id="21" presetID="10" presetClass="entr" presetSubtype="0" fill="hold" grpId="0" nodeType="clickEffect">
+                                <p:cTn id="22" presetID="10" presetClass="entr" presetSubtype="0" fill="hold" grpId="0" nodeType="clickEffect">
                                   <p:stCondLst>
                                     <p:cond delay="0"/>
                                   </p:stCondLst>
                                   <p:childTnLst>
                                     <p:set>
                                       <p:cBhvr>
-                                        <p:cTn id="22" dur="1" fill="hold">
+                                        <p:cTn id="23" dur="1" fill="hold">
                                           <p:stCondLst>
                                             <p:cond delay="0"/>
                                           </p:stCondLst>
@@ -5711,7 +6245,7 @@
                                     </p:set>
                                     <p:animEffect transition="in" filter="fade">
                                       <p:cBhvr>
-                                        <p:cTn id="23" dur="500"/>
+                                        <p:cTn id="24" dur="500"/>
                                         <p:tgtEl>
                                           <p:spTgt spid="11"/>
                                         </p:tgtEl>
@@ -6725,7 +7259,7 @@
                             </p:stCondLst>
                             <p:childTnLst>
                               <p:par>
-                                <p:cTn id="5" presetID="2" presetClass="entr" presetSubtype="4" fill="hold" grpId="0" nodeType="clickEffect">
+                                <p:cTn id="5" presetID="42" presetClass="entr" presetSubtype="0" fill="hold" grpId="0" nodeType="clickEffect">
                                   <p:stCondLst>
                                     <p:cond delay="0"/>
                                   </p:stCondLst>
@@ -6748,9 +7282,17 @@
                                         <p:strVal val="visible"/>
                                       </p:to>
                                     </p:set>
+                                    <p:animEffect transition="in" filter="fade">
+                                      <p:cBhvr>
+                                        <p:cTn id="7" dur="1000"/>
+                                        <p:tgtEl>
+                                          <p:spTgt spid="2"/>
+                                        </p:tgtEl>
+                                      </p:cBhvr>
+                                    </p:animEffect>
                                     <p:anim calcmode="lin" valueType="num">
-                                      <p:cBhvr additive="base">
-                                        <p:cTn id="7" dur="500" fill="hold"/>
+                                      <p:cBhvr>
+                                        <p:cTn id="8" dur="1000" fill="hold"/>
                                         <p:tgtEl>
                                           <p:spTgt spid="2"/>
                                         </p:tgtEl>
@@ -6772,8 +7314,8 @@
                                       </p:tavLst>
                                     </p:anim>
                                     <p:anim calcmode="lin" valueType="num">
-                                      <p:cBhvr additive="base">
-                                        <p:cTn id="8" dur="500" fill="hold"/>
+                                      <p:cBhvr>
+                                        <p:cTn id="9" dur="1000" fill="hold"/>
                                         <p:tgtEl>
                                           <p:spTgt spid="2"/>
                                         </p:tgtEl>
@@ -6784,7 +7326,7 @@
                                       <p:tavLst>
                                         <p:tav tm="0">
                                           <p:val>
-                                            <p:strVal val="1+#ppt_h/2"/>
+                                            <p:strVal val="#ppt_y+.1"/>
                                           </p:val>
                                         </p:tav>
                                         <p:tav tm="100000">
@@ -6804,26 +7346,26 @@
                     </p:cTn>
                   </p:par>
                   <p:par>
-                    <p:cTn id="9" fill="hold">
+                    <p:cTn id="10" fill="hold">
                       <p:stCondLst>
                         <p:cond delay="indefinite"/>
                       </p:stCondLst>
                       <p:childTnLst>
                         <p:par>
-                          <p:cTn id="10" fill="hold">
+                          <p:cTn id="11" fill="hold">
                             <p:stCondLst>
                               <p:cond delay="0"/>
                             </p:stCondLst>
                             <p:childTnLst>
                               <p:par>
-                                <p:cTn id="11" presetID="10" presetClass="entr" presetSubtype="0" fill="hold" grpId="0" nodeType="clickEffect">
+                                <p:cTn id="12" presetID="10" presetClass="entr" presetSubtype="0" fill="hold" grpId="0" nodeType="clickEffect">
                                   <p:stCondLst>
                                     <p:cond delay="0"/>
                                   </p:stCondLst>
                                   <p:childTnLst>
                                     <p:set>
                                       <p:cBhvr>
-                                        <p:cTn id="12" dur="1" fill="hold">
+                                        <p:cTn id="13" dur="1" fill="hold">
                                           <p:stCondLst>
                                             <p:cond delay="0"/>
                                           </p:stCondLst>
@@ -6841,7 +7383,7 @@
                                     </p:set>
                                     <p:animEffect transition="in" filter="fade">
                                       <p:cBhvr>
-                                        <p:cTn id="13" dur="500"/>
+                                        <p:cTn id="14" dur="500"/>
                                         <p:tgtEl>
                                           <p:spTgt spid="3"/>
                                         </p:tgtEl>
@@ -6857,26 +7399,26 @@
                     </p:cTn>
                   </p:par>
                   <p:par>
-                    <p:cTn id="14" fill="hold">
+                    <p:cTn id="15" fill="hold">
                       <p:stCondLst>
                         <p:cond delay="indefinite"/>
                       </p:stCondLst>
                       <p:childTnLst>
                         <p:par>
-                          <p:cTn id="15" fill="hold">
+                          <p:cTn id="16" fill="hold">
                             <p:stCondLst>
                               <p:cond delay="0"/>
                             </p:stCondLst>
                             <p:childTnLst>
                               <p:par>
-                                <p:cTn id="16" presetID="10" presetClass="entr" presetSubtype="0" fill="hold" grpId="0" nodeType="clickEffect">
+                                <p:cTn id="17" presetID="10" presetClass="entr" presetSubtype="0" fill="hold" grpId="0" nodeType="clickEffect">
                                   <p:stCondLst>
                                     <p:cond delay="0"/>
                                   </p:stCondLst>
                                   <p:childTnLst>
                                     <p:set>
                                       <p:cBhvr>
-                                        <p:cTn id="17" dur="1" fill="hold">
+                                        <p:cTn id="18" dur="1" fill="hold">
                                           <p:stCondLst>
                                             <p:cond delay="0"/>
                                           </p:stCondLst>
@@ -6894,7 +7436,7 @@
                                     </p:set>
                                     <p:animEffect transition="in" filter="fade">
                                       <p:cBhvr>
-                                        <p:cTn id="18" dur="500"/>
+                                        <p:cTn id="19" dur="500"/>
                                         <p:tgtEl>
                                           <p:spTgt spid="4"/>
                                         </p:tgtEl>
@@ -6910,26 +7452,26 @@
                     </p:cTn>
                   </p:par>
                   <p:par>
-                    <p:cTn id="19" fill="hold">
+                    <p:cTn id="20" fill="hold">
                       <p:stCondLst>
                         <p:cond delay="indefinite"/>
                       </p:stCondLst>
                       <p:childTnLst>
                         <p:par>
-                          <p:cTn id="20" fill="hold">
+                          <p:cTn id="21" fill="hold">
                             <p:stCondLst>
                               <p:cond delay="0"/>
                             </p:stCondLst>
                             <p:childTnLst>
                               <p:par>
-                                <p:cTn id="21" presetID="10" presetClass="entr" presetSubtype="0" fill="hold" grpId="0" nodeType="clickEffect">
+                                <p:cTn id="22" presetID="10" presetClass="entr" presetSubtype="0" fill="hold" grpId="0" nodeType="clickEffect">
                                   <p:stCondLst>
                                     <p:cond delay="0"/>
                                   </p:stCondLst>
                                   <p:childTnLst>
                                     <p:set>
                                       <p:cBhvr>
-                                        <p:cTn id="22" dur="1" fill="hold">
+                                        <p:cTn id="23" dur="1" fill="hold">
                                           <p:stCondLst>
                                             <p:cond delay="0"/>
                                           </p:stCondLst>
@@ -6947,7 +7489,7 @@
                                     </p:set>
                                     <p:animEffect transition="in" filter="fade">
                                       <p:cBhvr>
-                                        <p:cTn id="23" dur="500"/>
+                                        <p:cTn id="24" dur="500"/>
                                         <p:tgtEl>
                                           <p:spTgt spid="6"/>
                                         </p:tgtEl>
@@ -7917,6 +8459,1629 @@
     </p:tnLst>
     <p:bldLst>
       <p:bldP spid="4" grpId="0"/>
+    </p:bldLst>
+  </p:timing>
+</p:sld>
+</file>
+
+<file path=ppt/slides/slide7.xml><?xml version="1.0" encoding="utf-8"?>
+<p:sld xmlns:a="http://schemas.openxmlformats.org/drawingml/2006/main" xmlns:r="http://schemas.openxmlformats.org/officeDocument/2006/relationships" xmlns:p="http://schemas.openxmlformats.org/presentationml/2006/main">
+  <p:cSld>
+    <p:bg>
+      <p:bgPr>
+        <a:solidFill>
+          <a:schemeClr val="bg1"/>
+        </a:solidFill>
+        <a:effectLst/>
+      </p:bgPr>
+    </p:bg>
+    <p:spTree>
+      <p:nvGrpSpPr>
+        <p:cNvPr id="1" name=""/>
+        <p:cNvGrpSpPr/>
+        <p:nvPr/>
+      </p:nvGrpSpPr>
+      <p:grpSpPr>
+        <a:xfrm>
+          <a:off x="0" y="0"/>
+          <a:ext cx="0" cy="0"/>
+          <a:chOff x="0" y="0"/>
+          <a:chExt cx="0" cy="0"/>
+        </a:xfrm>
+      </p:grpSpPr>
+      <p:sp useBgFill="1">
+        <p:nvSpPr>
+          <p:cNvPr id="19" name="Rectangle 18">
+            <a:extLst>
+              <a:ext uri="{FF2B5EF4-FFF2-40B4-BE49-F238E27FC236}">
+                <a16:creationId xmlns:a16="http://schemas.microsoft.com/office/drawing/2014/main" id="{B95B9BA8-1D69-4796-85F5-B6D0BD52354B}"/>
+              </a:ext>
+              <a:ext uri="{C183D7F6-B498-43B3-948B-1728B52AA6E4}">
+                <adec:decorative xmlns:adec="http://schemas.microsoft.com/office/drawing/2017/decorative" val="1"/>
+              </a:ext>
+            </a:extLst>
+          </p:cNvPr>
+          <p:cNvSpPr>
+            <a:spLocks noGrp="1" noRot="1" noChangeAspect="1" noMove="1" noResize="1" noEditPoints="1" noAdjustHandles="1" noChangeArrowheads="1" noChangeShapeType="1" noTextEdit="1"/>
+          </p:cNvSpPr>
+          <p:nvPr>
+            <p:extLst>
+              <p:ext uri="{386F3935-93C4-4BCD-93E2-E3B085C9AB24}">
+                <p16:designElem xmlns:p16="http://schemas.microsoft.com/office/powerpoint/2015/main" val="1"/>
+              </p:ext>
+            </p:extLst>
+          </p:nvPr>
+        </p:nvSpPr>
+        <p:spPr>
+          <a:xfrm>
+            <a:off x="0" y="0"/>
+            <a:ext cx="12192000" cy="6858000"/>
+          </a:xfrm>
+          <a:prstGeom prst="rect">
+            <a:avLst/>
+          </a:prstGeom>
+          <a:ln w="12700" cap="flat" cmpd="sng" algn="ctr">
+            <a:noFill/>
+            <a:prstDash val="solid"/>
+            <a:miter lim="800000"/>
+          </a:ln>
+          <a:effectLst/>
+          <a:extLst>
+            <a:ext uri="{91240B29-F687-4F45-9708-019B960494DF}">
+              <a14:hiddenLine xmlns:a14="http://schemas.microsoft.com/office/drawing/2010/main" w="12700" cap="flat" cmpd="sng" algn="ctr">
+                <a:solidFill>
+                  <a:schemeClr val="accent1">
+                    <a:shade val="50000"/>
+                  </a:schemeClr>
+                </a:solidFill>
+                <a:prstDash val="solid"/>
+                <a:miter lim="800000"/>
+              </a14:hiddenLine>
+            </a:ext>
+          </a:extLst>
+        </p:spPr>
+        <p:style>
+          <a:lnRef idx="2">
+            <a:schemeClr val="accent1">
+              <a:shade val="50000"/>
+            </a:schemeClr>
+          </a:lnRef>
+          <a:fillRef idx="1">
+            <a:schemeClr val="accent1"/>
+          </a:fillRef>
+          <a:effectRef idx="0">
+            <a:schemeClr val="accent1"/>
+          </a:effectRef>
+          <a:fontRef idx="minor">
+            <a:schemeClr val="lt1"/>
+          </a:fontRef>
+        </p:style>
+        <p:txBody>
+          <a:bodyPr rtlCol="0" anchor="ctr"/>
+          <a:lstStyle/>
+          <a:p>
+            <a:pPr algn="ctr"/>
+            <a:endParaRPr lang="en-US"/>
+          </a:p>
+        </p:txBody>
+      </p:sp>
+      <p:pic>
+        <p:nvPicPr>
+          <p:cNvPr id="18" name="Obrázek 17" descr="Modrá digitální binární data na obrazovce">
+            <a:extLst>
+              <a:ext uri="{FF2B5EF4-FFF2-40B4-BE49-F238E27FC236}">
+                <a16:creationId xmlns:a16="http://schemas.microsoft.com/office/drawing/2014/main" id="{42F69126-07F9-4499-C86D-6C30E39CE9CA}"/>
+              </a:ext>
+            </a:extLst>
+          </p:cNvPr>
+          <p:cNvPicPr>
+            <a:picLocks noChangeAspect="1"/>
+          </p:cNvPicPr>
+          <p:nvPr/>
+        </p:nvPicPr>
+        <p:blipFill>
+          <a:blip r:embed="rId3">
+            <a:extLst>
+              <a:ext uri="{28A0092B-C50C-407E-A947-70E740481C1C}">
+                <a14:useLocalDpi xmlns:a14="http://schemas.microsoft.com/office/drawing/2010/main" val="0"/>
+              </a:ext>
+            </a:extLst>
+          </a:blip>
+          <a:stretch>
+            <a:fillRect/>
+          </a:stretch>
+        </p:blipFill>
+        <p:spPr>
+          <a:xfrm>
+            <a:off x="0" y="0"/>
+            <a:ext cx="12192000" cy="6858000"/>
+          </a:xfrm>
+          <a:prstGeom prst="rect">
+            <a:avLst/>
+          </a:prstGeom>
+        </p:spPr>
+      </p:pic>
+      <p:sp>
+        <p:nvSpPr>
+          <p:cNvPr id="2" name="Nadpis 1">
+            <a:extLst>
+              <a:ext uri="{FF2B5EF4-FFF2-40B4-BE49-F238E27FC236}">
+                <a16:creationId xmlns:a16="http://schemas.microsoft.com/office/drawing/2014/main" id="{42DCAB64-5E66-A066-A8A7-AB8A38033F28}"/>
+              </a:ext>
+            </a:extLst>
+          </p:cNvPr>
+          <p:cNvSpPr>
+            <a:spLocks noGrp="1"/>
+          </p:cNvSpPr>
+          <p:nvPr>
+            <p:ph type="title"/>
+          </p:nvPr>
+        </p:nvSpPr>
+        <p:spPr>
+          <a:xfrm>
+            <a:off x="57178" y="85245"/>
+            <a:ext cx="5372641" cy="931441"/>
+          </a:xfrm>
+        </p:spPr>
+        <p:txBody>
+          <a:bodyPr vert="horz" lIns="91440" tIns="45720" rIns="91440" bIns="45720" rtlCol="0" anchor="b" anchorCtr="0">
+            <a:noAutofit/>
+          </a:bodyPr>
+          <a:lstStyle/>
+          <a:p>
+            <a:r>
+              <a:rPr lang="cs-CZ" sz="6000" i="1" kern="1200" dirty="0">
+                <a:solidFill>
+                  <a:schemeClr val="tx1"/>
+                </a:solidFill>
+                <a:latin typeface="+mj-lt"/>
+                <a:ea typeface="+mj-ea"/>
+                <a:cs typeface="+mj-cs"/>
+              </a:rPr>
+              <a:t>Použití IP Adres</a:t>
+            </a:r>
+          </a:p>
+        </p:txBody>
+      </p:sp>
+      <p:sp>
+        <p:nvSpPr>
+          <p:cNvPr id="4" name="TextovéPole 3">
+            <a:extLst>
+              <a:ext uri="{FF2B5EF4-FFF2-40B4-BE49-F238E27FC236}">
+                <a16:creationId xmlns:a16="http://schemas.microsoft.com/office/drawing/2014/main" id="{8E5851BF-0D68-EE37-6020-1C89EF806113}"/>
+              </a:ext>
+            </a:extLst>
+          </p:cNvPr>
+          <p:cNvSpPr txBox="1"/>
+          <p:nvPr/>
+        </p:nvSpPr>
+        <p:spPr>
+          <a:xfrm>
+            <a:off x="114356" y="1716968"/>
+            <a:ext cx="5315463" cy="3048001"/>
+          </a:xfrm>
+          <a:prstGeom prst="rect">
+            <a:avLst/>
+          </a:prstGeom>
+        </p:spPr>
+        <p:txBody>
+          <a:bodyPr vert="horz" lIns="91440" tIns="45720" rIns="91440" bIns="45720" rtlCol="0">
+            <a:normAutofit/>
+          </a:bodyPr>
+          <a:lstStyle/>
+          <a:p>
+            <a:pPr>
+              <a:lnSpc>
+                <a:spcPct val="90000"/>
+              </a:lnSpc>
+              <a:spcAft>
+                <a:spcPts val="600"/>
+              </a:spcAft>
+            </a:pPr>
+            <a:r>
+              <a:rPr lang="cs-CZ" sz="3200" b="0" i="0" dirty="0">
+                <a:effectLst/>
+                <a:latin typeface="Eras ITC"/>
+              </a:rPr>
+              <a:t>- Rozlišení </a:t>
+            </a:r>
+            <a:r>
+              <a:rPr lang="cs-CZ" sz="3200" b="1" i="0" dirty="0">
+                <a:effectLst/>
+                <a:latin typeface="Eras ITC"/>
+              </a:rPr>
+              <a:t>síťových rozhraní</a:t>
+            </a:r>
+            <a:endParaRPr lang="cs-CZ" sz="3200" b="1" dirty="0">
+              <a:latin typeface="Eras ITC"/>
+            </a:endParaRPr>
+          </a:p>
+        </p:txBody>
+      </p:sp>
+      <p:sp>
+        <p:nvSpPr>
+          <p:cNvPr id="20" name="TextovéPole 19">
+            <a:extLst>
+              <a:ext uri="{FF2B5EF4-FFF2-40B4-BE49-F238E27FC236}">
+                <a16:creationId xmlns:a16="http://schemas.microsoft.com/office/drawing/2014/main" id="{32EFC97F-60C6-E6ED-0C09-67DEDEF2913D}"/>
+              </a:ext>
+            </a:extLst>
+          </p:cNvPr>
+          <p:cNvSpPr txBox="1"/>
+          <p:nvPr/>
+        </p:nvSpPr>
+        <p:spPr>
+          <a:xfrm>
+            <a:off x="114356" y="3240968"/>
+            <a:ext cx="4619708" cy="584775"/>
+          </a:xfrm>
+          <a:prstGeom prst="rect">
+            <a:avLst/>
+          </a:prstGeom>
+          <a:noFill/>
+        </p:spPr>
+        <p:txBody>
+          <a:bodyPr wrap="square" rtlCol="0">
+            <a:spAutoFit/>
+          </a:bodyPr>
+          <a:lstStyle/>
+          <a:p>
+            <a:r>
+              <a:rPr lang="cs-CZ" sz="3200" dirty="0">
+                <a:latin typeface="Eras ITC"/>
+              </a:rPr>
+              <a:t>- Adresování, Směrování</a:t>
+            </a:r>
+          </a:p>
+        </p:txBody>
+      </p:sp>
+      <p:sp>
+        <p:nvSpPr>
+          <p:cNvPr id="21" name="TextovéPole 20">
+            <a:extLst>
+              <a:ext uri="{FF2B5EF4-FFF2-40B4-BE49-F238E27FC236}">
+                <a16:creationId xmlns:a16="http://schemas.microsoft.com/office/drawing/2014/main" id="{8BA38D49-B611-0C1F-87F4-F81C2A5DF676}"/>
+              </a:ext>
+            </a:extLst>
+          </p:cNvPr>
+          <p:cNvSpPr txBox="1"/>
+          <p:nvPr/>
+        </p:nvSpPr>
+        <p:spPr>
+          <a:xfrm>
+            <a:off x="114356" y="4513043"/>
+            <a:ext cx="10336695" cy="1077218"/>
+          </a:xfrm>
+          <a:prstGeom prst="rect">
+            <a:avLst/>
+          </a:prstGeom>
+          <a:noFill/>
+        </p:spPr>
+        <p:txBody>
+          <a:bodyPr wrap="square" rtlCol="0">
+            <a:spAutoFit/>
+          </a:bodyPr>
+          <a:lstStyle/>
+          <a:p>
+            <a:r>
+              <a:rPr lang="cs-CZ" sz="3200" b="0" i="0" dirty="0">
+                <a:effectLst/>
+                <a:latin typeface="Eras ITC"/>
+              </a:rPr>
+              <a:t>-</a:t>
+            </a:r>
+            <a:r>
+              <a:rPr lang="cs-CZ" sz="3200" b="0" i="0" dirty="0">
+                <a:solidFill>
+                  <a:srgbClr val="BDC1C6"/>
+                </a:solidFill>
+                <a:effectLst/>
+                <a:latin typeface="Eras ITC"/>
+              </a:rPr>
+              <a:t> </a:t>
+            </a:r>
+            <a:r>
+              <a:rPr lang="cs-CZ" sz="3200" dirty="0">
+                <a:latin typeface="Eras ITC"/>
+              </a:rPr>
+              <a:t>J</a:t>
+            </a:r>
+            <a:r>
+              <a:rPr lang="cs-CZ" sz="3200" b="0" i="0" dirty="0">
+                <a:effectLst/>
+                <a:latin typeface="Eras ITC"/>
+              </a:rPr>
+              <a:t>edinečná identifikace zařízení </a:t>
+            </a:r>
+          </a:p>
+          <a:p>
+            <a:r>
+              <a:rPr lang="cs-CZ" sz="3200" b="0" i="0" dirty="0">
+                <a:effectLst/>
+                <a:latin typeface="Eras ITC"/>
+              </a:rPr>
+              <a:t>        připojených k internetu.</a:t>
+            </a:r>
+            <a:endParaRPr lang="cs-CZ" sz="3200" dirty="0">
+              <a:latin typeface="Eras ITC"/>
+            </a:endParaRPr>
+          </a:p>
+        </p:txBody>
+      </p:sp>
+    </p:spTree>
+    <p:extLst>
+      <p:ext uri="{BB962C8B-B14F-4D97-AF65-F5344CB8AC3E}">
+        <p14:creationId xmlns:p14="http://schemas.microsoft.com/office/powerpoint/2010/main" val="954631150"/>
+      </p:ext>
+    </p:extLst>
+  </p:cSld>
+  <p:clrMapOvr>
+    <a:masterClrMapping/>
+  </p:clrMapOvr>
+  <p:transition spd="slow">
+    <p:wipe/>
+  </p:transition>
+  <p:timing>
+    <p:tnLst>
+      <p:par>
+        <p:cTn id="1" dur="indefinite" restart="never" nodeType="tmRoot">
+          <p:childTnLst>
+            <p:seq concurrent="1" nextAc="seek">
+              <p:cTn id="2" dur="indefinite" nodeType="mainSeq">
+                <p:childTnLst>
+                  <p:par>
+                    <p:cTn id="3" fill="hold">
+                      <p:stCondLst>
+                        <p:cond delay="indefinite"/>
+                      </p:stCondLst>
+                      <p:childTnLst>
+                        <p:par>
+                          <p:cTn id="4" fill="hold">
+                            <p:stCondLst>
+                              <p:cond delay="0"/>
+                            </p:stCondLst>
+                            <p:childTnLst>
+                              <p:par>
+                                <p:cTn id="5" presetID="42" presetClass="entr" presetSubtype="0" fill="hold" grpId="0" nodeType="clickEffect">
+                                  <p:stCondLst>
+                                    <p:cond delay="0"/>
+                                  </p:stCondLst>
+                                  <p:childTnLst>
+                                    <p:set>
+                                      <p:cBhvr>
+                                        <p:cTn id="6" dur="1" fill="hold">
+                                          <p:stCondLst>
+                                            <p:cond delay="0"/>
+                                          </p:stCondLst>
+                                        </p:cTn>
+                                        <p:tgtEl>
+                                          <p:spTgt spid="2"/>
+                                        </p:tgtEl>
+                                        <p:attrNameLst>
+                                          <p:attrName>style.visibility</p:attrName>
+                                        </p:attrNameLst>
+                                      </p:cBhvr>
+                                      <p:to>
+                                        <p:strVal val="visible"/>
+                                      </p:to>
+                                    </p:set>
+                                    <p:animEffect transition="in" filter="fade">
+                                      <p:cBhvr>
+                                        <p:cTn id="7" dur="1000"/>
+                                        <p:tgtEl>
+                                          <p:spTgt spid="2"/>
+                                        </p:tgtEl>
+                                      </p:cBhvr>
+                                    </p:animEffect>
+                                    <p:anim calcmode="lin" valueType="num">
+                                      <p:cBhvr>
+                                        <p:cTn id="8" dur="1000" fill="hold"/>
+                                        <p:tgtEl>
+                                          <p:spTgt spid="2"/>
+                                        </p:tgtEl>
+                                        <p:attrNameLst>
+                                          <p:attrName>ppt_x</p:attrName>
+                                        </p:attrNameLst>
+                                      </p:cBhvr>
+                                      <p:tavLst>
+                                        <p:tav tm="0">
+                                          <p:val>
+                                            <p:strVal val="#ppt_x"/>
+                                          </p:val>
+                                        </p:tav>
+                                        <p:tav tm="100000">
+                                          <p:val>
+                                            <p:strVal val="#ppt_x"/>
+                                          </p:val>
+                                        </p:tav>
+                                      </p:tavLst>
+                                    </p:anim>
+                                    <p:anim calcmode="lin" valueType="num">
+                                      <p:cBhvr>
+                                        <p:cTn id="9" dur="1000" fill="hold"/>
+                                        <p:tgtEl>
+                                          <p:spTgt spid="2"/>
+                                        </p:tgtEl>
+                                        <p:attrNameLst>
+                                          <p:attrName>ppt_y</p:attrName>
+                                        </p:attrNameLst>
+                                      </p:cBhvr>
+                                      <p:tavLst>
+                                        <p:tav tm="0">
+                                          <p:val>
+                                            <p:strVal val="#ppt_y+.1"/>
+                                          </p:val>
+                                        </p:tav>
+                                        <p:tav tm="100000">
+                                          <p:val>
+                                            <p:strVal val="#ppt_y"/>
+                                          </p:val>
+                                        </p:tav>
+                                      </p:tavLst>
+                                    </p:anim>
+                                  </p:childTnLst>
+                                </p:cTn>
+                              </p:par>
+                            </p:childTnLst>
+                          </p:cTn>
+                        </p:par>
+                      </p:childTnLst>
+                    </p:cTn>
+                  </p:par>
+                  <p:par>
+                    <p:cTn id="10" fill="hold">
+                      <p:stCondLst>
+                        <p:cond delay="indefinite"/>
+                      </p:stCondLst>
+                      <p:childTnLst>
+                        <p:par>
+                          <p:cTn id="11" fill="hold">
+                            <p:stCondLst>
+                              <p:cond delay="0"/>
+                            </p:stCondLst>
+                            <p:childTnLst>
+                              <p:par>
+                                <p:cTn id="12" presetID="10" presetClass="entr" presetSubtype="0" fill="hold" nodeType="clickEffect">
+                                  <p:stCondLst>
+                                    <p:cond delay="0"/>
+                                  </p:stCondLst>
+                                  <p:childTnLst>
+                                    <p:set>
+                                      <p:cBhvr>
+                                        <p:cTn id="13" dur="1" fill="hold">
+                                          <p:stCondLst>
+                                            <p:cond delay="0"/>
+                                          </p:stCondLst>
+                                        </p:cTn>
+                                        <p:tgtEl>
+                                          <p:spTgt spid="4">
+                                            <p:txEl>
+                                              <p:pRg st="0" end="0"/>
+                                            </p:txEl>
+                                          </p:spTgt>
+                                        </p:tgtEl>
+                                        <p:attrNameLst>
+                                          <p:attrName>style.visibility</p:attrName>
+                                        </p:attrNameLst>
+                                      </p:cBhvr>
+                                      <p:to>
+                                        <p:strVal val="visible"/>
+                                      </p:to>
+                                    </p:set>
+                                    <p:animEffect transition="in" filter="fade">
+                                      <p:cBhvr>
+                                        <p:cTn id="14" dur="500"/>
+                                        <p:tgtEl>
+                                          <p:spTgt spid="4">
+                                            <p:txEl>
+                                              <p:pRg st="0" end="0"/>
+                                            </p:txEl>
+                                          </p:spTgt>
+                                        </p:tgtEl>
+                                      </p:cBhvr>
+                                    </p:animEffect>
+                                  </p:childTnLst>
+                                </p:cTn>
+                              </p:par>
+                            </p:childTnLst>
+                          </p:cTn>
+                        </p:par>
+                      </p:childTnLst>
+                    </p:cTn>
+                  </p:par>
+                  <p:par>
+                    <p:cTn id="15" fill="hold">
+                      <p:stCondLst>
+                        <p:cond delay="indefinite"/>
+                      </p:stCondLst>
+                      <p:childTnLst>
+                        <p:par>
+                          <p:cTn id="16" fill="hold">
+                            <p:stCondLst>
+                              <p:cond delay="0"/>
+                            </p:stCondLst>
+                            <p:childTnLst>
+                              <p:par>
+                                <p:cTn id="17" presetID="10" presetClass="entr" presetSubtype="0" fill="hold" nodeType="clickEffect">
+                                  <p:stCondLst>
+                                    <p:cond delay="0"/>
+                                  </p:stCondLst>
+                                  <p:childTnLst>
+                                    <p:set>
+                                      <p:cBhvr>
+                                        <p:cTn id="18" dur="1" fill="hold">
+                                          <p:stCondLst>
+                                            <p:cond delay="0"/>
+                                          </p:stCondLst>
+                                        </p:cTn>
+                                        <p:tgtEl>
+                                          <p:spTgt spid="20">
+                                            <p:txEl>
+                                              <p:pRg st="0" end="0"/>
+                                            </p:txEl>
+                                          </p:spTgt>
+                                        </p:tgtEl>
+                                        <p:attrNameLst>
+                                          <p:attrName>style.visibility</p:attrName>
+                                        </p:attrNameLst>
+                                      </p:cBhvr>
+                                      <p:to>
+                                        <p:strVal val="visible"/>
+                                      </p:to>
+                                    </p:set>
+                                    <p:animEffect transition="in" filter="fade">
+                                      <p:cBhvr>
+                                        <p:cTn id="19" dur="500"/>
+                                        <p:tgtEl>
+                                          <p:spTgt spid="20">
+                                            <p:txEl>
+                                              <p:pRg st="0" end="0"/>
+                                            </p:txEl>
+                                          </p:spTgt>
+                                        </p:tgtEl>
+                                      </p:cBhvr>
+                                    </p:animEffect>
+                                  </p:childTnLst>
+                                </p:cTn>
+                              </p:par>
+                            </p:childTnLst>
+                          </p:cTn>
+                        </p:par>
+                      </p:childTnLst>
+                    </p:cTn>
+                  </p:par>
+                  <p:par>
+                    <p:cTn id="20" fill="hold">
+                      <p:stCondLst>
+                        <p:cond delay="indefinite"/>
+                      </p:stCondLst>
+                      <p:childTnLst>
+                        <p:par>
+                          <p:cTn id="21" fill="hold">
+                            <p:stCondLst>
+                              <p:cond delay="0"/>
+                            </p:stCondLst>
+                            <p:childTnLst>
+                              <p:par>
+                                <p:cTn id="22" presetID="10" presetClass="entr" presetSubtype="0" fill="hold" nodeType="clickEffect">
+                                  <p:stCondLst>
+                                    <p:cond delay="0"/>
+                                  </p:stCondLst>
+                                  <p:childTnLst>
+                                    <p:set>
+                                      <p:cBhvr>
+                                        <p:cTn id="23" dur="1" fill="hold">
+                                          <p:stCondLst>
+                                            <p:cond delay="0"/>
+                                          </p:stCondLst>
+                                        </p:cTn>
+                                        <p:tgtEl>
+                                          <p:spTgt spid="21">
+                                            <p:txEl>
+                                              <p:pRg st="0" end="0"/>
+                                            </p:txEl>
+                                          </p:spTgt>
+                                        </p:tgtEl>
+                                        <p:attrNameLst>
+                                          <p:attrName>style.visibility</p:attrName>
+                                        </p:attrNameLst>
+                                      </p:cBhvr>
+                                      <p:to>
+                                        <p:strVal val="visible"/>
+                                      </p:to>
+                                    </p:set>
+                                    <p:animEffect transition="in" filter="fade">
+                                      <p:cBhvr>
+                                        <p:cTn id="24" dur="500"/>
+                                        <p:tgtEl>
+                                          <p:spTgt spid="21">
+                                            <p:txEl>
+                                              <p:pRg st="0" end="0"/>
+                                            </p:txEl>
+                                          </p:spTgt>
+                                        </p:tgtEl>
+                                      </p:cBhvr>
+                                    </p:animEffect>
+                                  </p:childTnLst>
+                                </p:cTn>
+                              </p:par>
+                              <p:par>
+                                <p:cTn id="25" presetID="10" presetClass="entr" presetSubtype="0" fill="hold" nodeType="withEffect">
+                                  <p:stCondLst>
+                                    <p:cond delay="0"/>
+                                  </p:stCondLst>
+                                  <p:childTnLst>
+                                    <p:set>
+                                      <p:cBhvr>
+                                        <p:cTn id="26" dur="1" fill="hold">
+                                          <p:stCondLst>
+                                            <p:cond delay="0"/>
+                                          </p:stCondLst>
+                                        </p:cTn>
+                                        <p:tgtEl>
+                                          <p:spTgt spid="21">
+                                            <p:txEl>
+                                              <p:pRg st="1" end="1"/>
+                                            </p:txEl>
+                                          </p:spTgt>
+                                        </p:tgtEl>
+                                        <p:attrNameLst>
+                                          <p:attrName>style.visibility</p:attrName>
+                                        </p:attrNameLst>
+                                      </p:cBhvr>
+                                      <p:to>
+                                        <p:strVal val="visible"/>
+                                      </p:to>
+                                    </p:set>
+                                    <p:animEffect transition="in" filter="fade">
+                                      <p:cBhvr>
+                                        <p:cTn id="27" dur="500"/>
+                                        <p:tgtEl>
+                                          <p:spTgt spid="21">
+                                            <p:txEl>
+                                              <p:pRg st="1" end="1"/>
+                                            </p:txEl>
+                                          </p:spTgt>
+                                        </p:tgtEl>
+                                      </p:cBhvr>
+                                    </p:animEffect>
+                                  </p:childTnLst>
+                                </p:cTn>
+                              </p:par>
+                            </p:childTnLst>
+                          </p:cTn>
+                        </p:par>
+                      </p:childTnLst>
+                    </p:cTn>
+                  </p:par>
+                </p:childTnLst>
+              </p:cTn>
+              <p:prevCondLst>
+                <p:cond evt="onPrev" delay="0">
+                  <p:tgtEl>
+                    <p:sldTgt/>
+                  </p:tgtEl>
+                </p:cond>
+              </p:prevCondLst>
+              <p:nextCondLst>
+                <p:cond evt="onNext" delay="0">
+                  <p:tgtEl>
+                    <p:sldTgt/>
+                  </p:tgtEl>
+                </p:cond>
+              </p:nextCondLst>
+            </p:seq>
+          </p:childTnLst>
+        </p:cTn>
+      </p:par>
+    </p:tnLst>
+    <p:bldLst>
+      <p:bldP spid="2" grpId="0"/>
+    </p:bldLst>
+  </p:timing>
+</p:sld>
+</file>
+
+<file path=ppt/slides/slide8.xml><?xml version="1.0" encoding="utf-8"?>
+<p:sld xmlns:a="http://schemas.openxmlformats.org/drawingml/2006/main" xmlns:r="http://schemas.openxmlformats.org/officeDocument/2006/relationships" xmlns:p="http://schemas.openxmlformats.org/presentationml/2006/main">
+  <p:cSld>
+    <p:spTree>
+      <p:nvGrpSpPr>
+        <p:cNvPr id="1" name=""/>
+        <p:cNvGrpSpPr/>
+        <p:nvPr/>
+      </p:nvGrpSpPr>
+      <p:grpSpPr>
+        <a:xfrm>
+          <a:off x="0" y="0"/>
+          <a:ext cx="0" cy="0"/>
+          <a:chOff x="0" y="0"/>
+          <a:chExt cx="0" cy="0"/>
+        </a:xfrm>
+      </p:grpSpPr>
+      <p:pic>
+        <p:nvPicPr>
+          <p:cNvPr id="3" name="Obrázek 2" descr="Modrá digitální binární data na obrazovce">
+            <a:extLst>
+              <a:ext uri="{FF2B5EF4-FFF2-40B4-BE49-F238E27FC236}">
+                <a16:creationId xmlns:a16="http://schemas.microsoft.com/office/drawing/2014/main" id="{41B17F36-B7AC-5F4F-D796-C0E4152ECDAE}"/>
+              </a:ext>
+            </a:extLst>
+          </p:cNvPr>
+          <p:cNvPicPr>
+            <a:picLocks noChangeAspect="1"/>
+          </p:cNvPicPr>
+          <p:nvPr/>
+        </p:nvPicPr>
+        <p:blipFill>
+          <a:blip r:embed="rId3">
+            <a:extLst>
+              <a:ext uri="{28A0092B-C50C-407E-A947-70E740481C1C}">
+                <a14:useLocalDpi xmlns:a14="http://schemas.microsoft.com/office/drawing/2010/main" val="0"/>
+              </a:ext>
+            </a:extLst>
+          </a:blip>
+          <a:stretch>
+            <a:fillRect/>
+          </a:stretch>
+        </p:blipFill>
+        <p:spPr>
+          <a:xfrm>
+            <a:off x="0" y="0"/>
+            <a:ext cx="12192000" cy="6858000"/>
+          </a:xfrm>
+          <a:prstGeom prst="rect">
+            <a:avLst/>
+          </a:prstGeom>
+        </p:spPr>
+      </p:pic>
+      <p:sp>
+        <p:nvSpPr>
+          <p:cNvPr id="2" name="Nadpis 1">
+            <a:extLst>
+              <a:ext uri="{FF2B5EF4-FFF2-40B4-BE49-F238E27FC236}">
+                <a16:creationId xmlns:a16="http://schemas.microsoft.com/office/drawing/2014/main" id="{42DCAB64-5E66-A066-A8A7-AB8A38033F28}"/>
+              </a:ext>
+            </a:extLst>
+          </p:cNvPr>
+          <p:cNvSpPr>
+            <a:spLocks noGrp="1"/>
+          </p:cNvSpPr>
+          <p:nvPr>
+            <p:ph type="title"/>
+          </p:nvPr>
+        </p:nvSpPr>
+        <p:spPr>
+          <a:xfrm>
+            <a:off x="94091" y="130175"/>
+            <a:ext cx="9144000" cy="1263649"/>
+          </a:xfrm>
+        </p:spPr>
+        <p:txBody>
+          <a:bodyPr>
+            <a:normAutofit/>
+          </a:bodyPr>
+          <a:lstStyle/>
+          <a:p>
+            <a:r>
+              <a:rPr lang="cs-CZ" sz="6000" i="1" dirty="0"/>
+              <a:t>Použití IP Adres</a:t>
+            </a:r>
+          </a:p>
+        </p:txBody>
+      </p:sp>
+      <p:sp>
+        <p:nvSpPr>
+          <p:cNvPr id="4" name="TextovéPole 3">
+            <a:extLst>
+              <a:ext uri="{FF2B5EF4-FFF2-40B4-BE49-F238E27FC236}">
+                <a16:creationId xmlns:a16="http://schemas.microsoft.com/office/drawing/2014/main" id="{FDE2B9D9-EBA9-8521-11F4-2A07F7446C47}"/>
+              </a:ext>
+            </a:extLst>
+          </p:cNvPr>
+          <p:cNvSpPr txBox="1"/>
+          <p:nvPr/>
+        </p:nvSpPr>
+        <p:spPr>
+          <a:xfrm>
+            <a:off x="214685" y="1622066"/>
+            <a:ext cx="7657106" cy="584775"/>
+          </a:xfrm>
+          <a:prstGeom prst="rect">
+            <a:avLst/>
+          </a:prstGeom>
+          <a:noFill/>
+        </p:spPr>
+        <p:txBody>
+          <a:bodyPr wrap="square" rtlCol="0">
+            <a:spAutoFit/>
+          </a:bodyPr>
+          <a:lstStyle/>
+          <a:p>
+            <a:r>
+              <a:rPr lang="cs-CZ" sz="3200" dirty="0">
+                <a:latin typeface="Eras ITC"/>
+              </a:rPr>
+              <a:t>- 1984 (původní zmínka standardu IP adres)</a:t>
+            </a:r>
+          </a:p>
+        </p:txBody>
+      </p:sp>
+      <p:sp>
+        <p:nvSpPr>
+          <p:cNvPr id="5" name="TextovéPole 4">
+            <a:extLst>
+              <a:ext uri="{FF2B5EF4-FFF2-40B4-BE49-F238E27FC236}">
+                <a16:creationId xmlns:a16="http://schemas.microsoft.com/office/drawing/2014/main" id="{E3115B26-2840-C758-BBB4-3C85798107F2}"/>
+              </a:ext>
+            </a:extLst>
+          </p:cNvPr>
+          <p:cNvSpPr txBox="1"/>
+          <p:nvPr/>
+        </p:nvSpPr>
+        <p:spPr>
+          <a:xfrm>
+            <a:off x="214685" y="3311718"/>
+            <a:ext cx="5732891" cy="584775"/>
+          </a:xfrm>
+          <a:prstGeom prst="rect">
+            <a:avLst/>
+          </a:prstGeom>
+          <a:noFill/>
+        </p:spPr>
+        <p:txBody>
+          <a:bodyPr wrap="square" rtlCol="0">
+            <a:spAutoFit/>
+          </a:bodyPr>
+          <a:lstStyle/>
+          <a:p>
+            <a:r>
+              <a:rPr lang="cs-CZ" sz="3200" dirty="0">
+                <a:latin typeface="Eras ITC"/>
+              </a:rPr>
+              <a:t>- Standard IPv4</a:t>
+            </a:r>
+          </a:p>
+        </p:txBody>
+      </p:sp>
+      <p:sp>
+        <p:nvSpPr>
+          <p:cNvPr id="7" name="TextovéPole 6">
+            <a:extLst>
+              <a:ext uri="{FF2B5EF4-FFF2-40B4-BE49-F238E27FC236}">
+                <a16:creationId xmlns:a16="http://schemas.microsoft.com/office/drawing/2014/main" id="{A8492AD2-FDEA-9419-7594-FBD85AE5627F}"/>
+              </a:ext>
+            </a:extLst>
+          </p:cNvPr>
+          <p:cNvSpPr txBox="1"/>
+          <p:nvPr/>
+        </p:nvSpPr>
+        <p:spPr>
+          <a:xfrm>
+            <a:off x="214685" y="5001370"/>
+            <a:ext cx="7967207" cy="584775"/>
+          </a:xfrm>
+          <a:prstGeom prst="rect">
+            <a:avLst/>
+          </a:prstGeom>
+          <a:noFill/>
+        </p:spPr>
+        <p:txBody>
+          <a:bodyPr wrap="square" rtlCol="0">
+            <a:spAutoFit/>
+          </a:bodyPr>
+          <a:lstStyle/>
+          <a:p>
+            <a:r>
+              <a:rPr lang="cs-CZ" sz="3200" dirty="0">
+                <a:latin typeface="Eras ITC"/>
+              </a:rPr>
+              <a:t>- V dnešní době stále nejrozšířenější protokol</a:t>
+            </a:r>
+          </a:p>
+        </p:txBody>
+      </p:sp>
+    </p:spTree>
+    <p:extLst>
+      <p:ext uri="{BB962C8B-B14F-4D97-AF65-F5344CB8AC3E}">
+        <p14:creationId xmlns:p14="http://schemas.microsoft.com/office/powerpoint/2010/main" val="3356757101"/>
+      </p:ext>
+    </p:extLst>
+  </p:cSld>
+  <p:clrMapOvr>
+    <a:masterClrMapping/>
+  </p:clrMapOvr>
+  <mc:AlternateContent xmlns:mc="http://schemas.openxmlformats.org/markup-compatibility/2006" xmlns:p14="http://schemas.microsoft.com/office/powerpoint/2010/main">
+    <mc:Choice Requires="p14">
+      <p:transition spd="med" p14:dur="700">
+        <p:fade/>
+      </p:transition>
+    </mc:Choice>
+    <mc:Fallback xmlns="">
+      <p:transition spd="med">
+        <p:fade/>
+      </p:transition>
+    </mc:Fallback>
+  </mc:AlternateContent>
+  <p:timing>
+    <p:tnLst>
+      <p:par>
+        <p:cTn id="1" dur="indefinite" restart="never" nodeType="tmRoot">
+          <p:childTnLst>
+            <p:seq concurrent="1" nextAc="seek">
+              <p:cTn id="2" dur="indefinite" nodeType="mainSeq">
+                <p:childTnLst>
+                  <p:par>
+                    <p:cTn id="3" fill="hold">
+                      <p:stCondLst>
+                        <p:cond delay="indefinite"/>
+                      </p:stCondLst>
+                      <p:childTnLst>
+                        <p:par>
+                          <p:cTn id="4" fill="hold">
+                            <p:stCondLst>
+                              <p:cond delay="0"/>
+                            </p:stCondLst>
+                            <p:childTnLst>
+                              <p:par>
+                                <p:cTn id="5" presetID="10" presetClass="entr" presetSubtype="0" fill="hold" nodeType="clickEffect">
+                                  <p:stCondLst>
+                                    <p:cond delay="0"/>
+                                  </p:stCondLst>
+                                  <p:childTnLst>
+                                    <p:set>
+                                      <p:cBhvr>
+                                        <p:cTn id="6" dur="1" fill="hold">
+                                          <p:stCondLst>
+                                            <p:cond delay="0"/>
+                                          </p:stCondLst>
+                                        </p:cTn>
+                                        <p:tgtEl>
+                                          <p:spTgt spid="4">
+                                            <p:txEl>
+                                              <p:pRg st="0" end="0"/>
+                                            </p:txEl>
+                                          </p:spTgt>
+                                        </p:tgtEl>
+                                        <p:attrNameLst>
+                                          <p:attrName>style.visibility</p:attrName>
+                                        </p:attrNameLst>
+                                      </p:cBhvr>
+                                      <p:to>
+                                        <p:strVal val="visible"/>
+                                      </p:to>
+                                    </p:set>
+                                    <p:animEffect transition="in" filter="fade">
+                                      <p:cBhvr>
+                                        <p:cTn id="7" dur="500"/>
+                                        <p:tgtEl>
+                                          <p:spTgt spid="4">
+                                            <p:txEl>
+                                              <p:pRg st="0" end="0"/>
+                                            </p:txEl>
+                                          </p:spTgt>
+                                        </p:tgtEl>
+                                      </p:cBhvr>
+                                    </p:animEffect>
+                                  </p:childTnLst>
+                                </p:cTn>
+                              </p:par>
+                            </p:childTnLst>
+                          </p:cTn>
+                        </p:par>
+                      </p:childTnLst>
+                    </p:cTn>
+                  </p:par>
+                  <p:par>
+                    <p:cTn id="8" fill="hold">
+                      <p:stCondLst>
+                        <p:cond delay="indefinite"/>
+                      </p:stCondLst>
+                      <p:childTnLst>
+                        <p:par>
+                          <p:cTn id="9" fill="hold">
+                            <p:stCondLst>
+                              <p:cond delay="0"/>
+                            </p:stCondLst>
+                            <p:childTnLst>
+                              <p:par>
+                                <p:cTn id="10" presetID="10" presetClass="entr" presetSubtype="0" fill="hold" grpId="0" nodeType="clickEffect">
+                                  <p:stCondLst>
+                                    <p:cond delay="0"/>
+                                  </p:stCondLst>
+                                  <p:childTnLst>
+                                    <p:set>
+                                      <p:cBhvr>
+                                        <p:cTn id="11" dur="1" fill="hold">
+                                          <p:stCondLst>
+                                            <p:cond delay="0"/>
+                                          </p:stCondLst>
+                                        </p:cTn>
+                                        <p:tgtEl>
+                                          <p:spTgt spid="5"/>
+                                        </p:tgtEl>
+                                        <p:attrNameLst>
+                                          <p:attrName>style.visibility</p:attrName>
+                                        </p:attrNameLst>
+                                      </p:cBhvr>
+                                      <p:to>
+                                        <p:strVal val="visible"/>
+                                      </p:to>
+                                    </p:set>
+                                    <p:animEffect transition="in" filter="fade">
+                                      <p:cBhvr>
+                                        <p:cTn id="12" dur="500"/>
+                                        <p:tgtEl>
+                                          <p:spTgt spid="5"/>
+                                        </p:tgtEl>
+                                      </p:cBhvr>
+                                    </p:animEffect>
+                                  </p:childTnLst>
+                                </p:cTn>
+                              </p:par>
+                            </p:childTnLst>
+                          </p:cTn>
+                        </p:par>
+                      </p:childTnLst>
+                    </p:cTn>
+                  </p:par>
+                  <p:par>
+                    <p:cTn id="13" fill="hold">
+                      <p:stCondLst>
+                        <p:cond delay="indefinite"/>
+                      </p:stCondLst>
+                      <p:childTnLst>
+                        <p:par>
+                          <p:cTn id="14" fill="hold">
+                            <p:stCondLst>
+                              <p:cond delay="0"/>
+                            </p:stCondLst>
+                            <p:childTnLst>
+                              <p:par>
+                                <p:cTn id="15" presetID="10" presetClass="entr" presetSubtype="0" fill="hold" grpId="0" nodeType="clickEffect">
+                                  <p:stCondLst>
+                                    <p:cond delay="0"/>
+                                  </p:stCondLst>
+                                  <p:childTnLst>
+                                    <p:set>
+                                      <p:cBhvr>
+                                        <p:cTn id="16" dur="1" fill="hold">
+                                          <p:stCondLst>
+                                            <p:cond delay="0"/>
+                                          </p:stCondLst>
+                                        </p:cTn>
+                                        <p:tgtEl>
+                                          <p:spTgt spid="7"/>
+                                        </p:tgtEl>
+                                        <p:attrNameLst>
+                                          <p:attrName>style.visibility</p:attrName>
+                                        </p:attrNameLst>
+                                      </p:cBhvr>
+                                      <p:to>
+                                        <p:strVal val="visible"/>
+                                      </p:to>
+                                    </p:set>
+                                    <p:animEffect transition="in" filter="fade">
+                                      <p:cBhvr>
+                                        <p:cTn id="17" dur="500"/>
+                                        <p:tgtEl>
+                                          <p:spTgt spid="7"/>
+                                        </p:tgtEl>
+                                      </p:cBhvr>
+                                    </p:animEffect>
+                                  </p:childTnLst>
+                                </p:cTn>
+                              </p:par>
+                            </p:childTnLst>
+                          </p:cTn>
+                        </p:par>
+                      </p:childTnLst>
+                    </p:cTn>
+                  </p:par>
+                </p:childTnLst>
+              </p:cTn>
+              <p:prevCondLst>
+                <p:cond evt="onPrev" delay="0">
+                  <p:tgtEl>
+                    <p:sldTgt/>
+                  </p:tgtEl>
+                </p:cond>
+              </p:prevCondLst>
+              <p:nextCondLst>
+                <p:cond evt="onNext" delay="0">
+                  <p:tgtEl>
+                    <p:sldTgt/>
+                  </p:tgtEl>
+                </p:cond>
+              </p:nextCondLst>
+            </p:seq>
+          </p:childTnLst>
+        </p:cTn>
+      </p:par>
+    </p:tnLst>
+    <p:bldLst>
+      <p:bldP spid="5" grpId="0"/>
+      <p:bldP spid="7" grpId="0"/>
+    </p:bldLst>
+  </p:timing>
+</p:sld>
+</file>
+
+<file path=ppt/slides/slide9.xml><?xml version="1.0" encoding="utf-8"?>
+<p:sld xmlns:a="http://schemas.openxmlformats.org/drawingml/2006/main" xmlns:r="http://schemas.openxmlformats.org/officeDocument/2006/relationships" xmlns:p="http://schemas.openxmlformats.org/presentationml/2006/main">
+  <p:cSld>
+    <p:spTree>
+      <p:nvGrpSpPr>
+        <p:cNvPr id="1" name=""/>
+        <p:cNvGrpSpPr/>
+        <p:nvPr/>
+      </p:nvGrpSpPr>
+      <p:grpSpPr>
+        <a:xfrm>
+          <a:off x="0" y="0"/>
+          <a:ext cx="0" cy="0"/>
+          <a:chOff x="0" y="0"/>
+          <a:chExt cx="0" cy="0"/>
+        </a:xfrm>
+      </p:grpSpPr>
+      <p:pic>
+        <p:nvPicPr>
+          <p:cNvPr id="3" name="Obrázek 2" descr="Modrá digitální binární data na obrazovce">
+            <a:extLst>
+              <a:ext uri="{FF2B5EF4-FFF2-40B4-BE49-F238E27FC236}">
+                <a16:creationId xmlns:a16="http://schemas.microsoft.com/office/drawing/2014/main" id="{099FE3D0-B775-5DE7-4013-06201282E6C3}"/>
+              </a:ext>
+            </a:extLst>
+          </p:cNvPr>
+          <p:cNvPicPr>
+            <a:picLocks noChangeAspect="1"/>
+          </p:cNvPicPr>
+          <p:nvPr/>
+        </p:nvPicPr>
+        <p:blipFill>
+          <a:blip r:embed="rId3">
+            <a:extLst>
+              <a:ext uri="{28A0092B-C50C-407E-A947-70E740481C1C}">
+                <a14:useLocalDpi xmlns:a14="http://schemas.microsoft.com/office/drawing/2010/main" val="0"/>
+              </a:ext>
+            </a:extLst>
+          </a:blip>
+          <a:stretch>
+            <a:fillRect/>
+          </a:stretch>
+        </p:blipFill>
+        <p:spPr>
+          <a:xfrm>
+            <a:off x="0" y="0"/>
+            <a:ext cx="12192000" cy="6858000"/>
+          </a:xfrm>
+          <a:prstGeom prst="rect">
+            <a:avLst/>
+          </a:prstGeom>
+        </p:spPr>
+      </p:pic>
+      <p:sp>
+        <p:nvSpPr>
+          <p:cNvPr id="2" name="Nadpis 1">
+            <a:extLst>
+              <a:ext uri="{FF2B5EF4-FFF2-40B4-BE49-F238E27FC236}">
+                <a16:creationId xmlns:a16="http://schemas.microsoft.com/office/drawing/2014/main" id="{42DCAB64-5E66-A066-A8A7-AB8A38033F28}"/>
+              </a:ext>
+            </a:extLst>
+          </p:cNvPr>
+          <p:cNvSpPr>
+            <a:spLocks noGrp="1"/>
+          </p:cNvSpPr>
+          <p:nvPr>
+            <p:ph type="title"/>
+          </p:nvPr>
+        </p:nvSpPr>
+        <p:spPr>
+          <a:xfrm>
+            <a:off x="94091" y="130175"/>
+            <a:ext cx="9144000" cy="1263649"/>
+          </a:xfrm>
+        </p:spPr>
+        <p:txBody>
+          <a:bodyPr>
+            <a:normAutofit/>
+          </a:bodyPr>
+          <a:lstStyle/>
+          <a:p>
+            <a:r>
+              <a:rPr lang="cs-CZ" sz="6000" i="1" dirty="0"/>
+              <a:t>Použití IP Adres</a:t>
+            </a:r>
+          </a:p>
+        </p:txBody>
+      </p:sp>
+      <p:sp>
+        <p:nvSpPr>
+          <p:cNvPr id="4" name="TextovéPole 3">
+            <a:extLst>
+              <a:ext uri="{FF2B5EF4-FFF2-40B4-BE49-F238E27FC236}">
+                <a16:creationId xmlns:a16="http://schemas.microsoft.com/office/drawing/2014/main" id="{80FC4FAD-DEBD-F55E-765F-5CB8EE740286}"/>
+              </a:ext>
+            </a:extLst>
+          </p:cNvPr>
+          <p:cNvSpPr txBox="1"/>
+          <p:nvPr/>
+        </p:nvSpPr>
+        <p:spPr>
+          <a:xfrm>
+            <a:off x="94091" y="1534296"/>
+            <a:ext cx="6321287" cy="1077218"/>
+          </a:xfrm>
+          <a:prstGeom prst="rect">
+            <a:avLst/>
+          </a:prstGeom>
+          <a:noFill/>
+        </p:spPr>
+        <p:txBody>
+          <a:bodyPr wrap="square" rtlCol="0">
+            <a:spAutoFit/>
+          </a:bodyPr>
+          <a:lstStyle/>
+          <a:p>
+            <a:pPr marL="457200" indent="-457200">
+              <a:buFontTx/>
+              <a:buChar char="-"/>
+            </a:pPr>
+            <a:r>
+              <a:rPr lang="cs-CZ" sz="3200" dirty="0">
+                <a:latin typeface="Eras ITC"/>
+              </a:rPr>
+              <a:t>Zařízení v síti má přidělenou</a:t>
+            </a:r>
+          </a:p>
+          <a:p>
+            <a:r>
+              <a:rPr lang="cs-CZ" sz="3200" dirty="0">
+                <a:latin typeface="Eras ITC"/>
+              </a:rPr>
+              <a:t>       vlastní IP Adresu</a:t>
+            </a:r>
+          </a:p>
+        </p:txBody>
+      </p:sp>
+      <p:sp>
+        <p:nvSpPr>
+          <p:cNvPr id="5" name="TextovéPole 4">
+            <a:extLst>
+              <a:ext uri="{FF2B5EF4-FFF2-40B4-BE49-F238E27FC236}">
+                <a16:creationId xmlns:a16="http://schemas.microsoft.com/office/drawing/2014/main" id="{8FC80452-67B3-1AB1-D025-B990C4E7DF46}"/>
+              </a:ext>
+            </a:extLst>
+          </p:cNvPr>
+          <p:cNvSpPr txBox="1"/>
+          <p:nvPr/>
+        </p:nvSpPr>
+        <p:spPr>
+          <a:xfrm>
+            <a:off x="174929" y="3085106"/>
+            <a:ext cx="9063162" cy="584775"/>
+          </a:xfrm>
+          <a:prstGeom prst="rect">
+            <a:avLst/>
+          </a:prstGeom>
+          <a:noFill/>
+        </p:spPr>
+        <p:txBody>
+          <a:bodyPr wrap="square" rtlCol="0">
+            <a:spAutoFit/>
+          </a:bodyPr>
+          <a:lstStyle/>
+          <a:p>
+            <a:r>
+              <a:rPr lang="cs-CZ" sz="3200" dirty="0">
+                <a:latin typeface="Eras ITC"/>
+              </a:rPr>
+              <a:t>- Router přiděluje IP Adresy pomocí protokolu DHCP</a:t>
+            </a:r>
+          </a:p>
+        </p:txBody>
+      </p:sp>
+      <p:sp>
+        <p:nvSpPr>
+          <p:cNvPr id="6" name="TextovéPole 5">
+            <a:extLst>
+              <a:ext uri="{FF2B5EF4-FFF2-40B4-BE49-F238E27FC236}">
+                <a16:creationId xmlns:a16="http://schemas.microsoft.com/office/drawing/2014/main" id="{818A1684-A799-FFE8-5D4E-93911E5F6512}"/>
+              </a:ext>
+            </a:extLst>
+          </p:cNvPr>
+          <p:cNvSpPr txBox="1"/>
+          <p:nvPr/>
+        </p:nvSpPr>
+        <p:spPr>
+          <a:xfrm>
+            <a:off x="174929" y="5031316"/>
+            <a:ext cx="6440557" cy="584775"/>
+          </a:xfrm>
+          <a:prstGeom prst="rect">
+            <a:avLst/>
+          </a:prstGeom>
+          <a:noFill/>
+        </p:spPr>
+        <p:txBody>
+          <a:bodyPr wrap="square" rtlCol="0">
+            <a:spAutoFit/>
+          </a:bodyPr>
+          <a:lstStyle/>
+          <a:p>
+            <a:r>
+              <a:rPr lang="cs-CZ" sz="3200" dirty="0">
+                <a:latin typeface="Eras ITC"/>
+              </a:rPr>
+              <a:t>- DHCP = Automatická konfigurace</a:t>
+            </a:r>
+          </a:p>
+        </p:txBody>
+      </p:sp>
+    </p:spTree>
+    <p:extLst>
+      <p:ext uri="{BB962C8B-B14F-4D97-AF65-F5344CB8AC3E}">
+        <p14:creationId xmlns:p14="http://schemas.microsoft.com/office/powerpoint/2010/main" val="3472005502"/>
+      </p:ext>
+    </p:extLst>
+  </p:cSld>
+  <p:clrMapOvr>
+    <a:masterClrMapping/>
+  </p:clrMapOvr>
+  <mc:AlternateContent xmlns:mc="http://schemas.openxmlformats.org/markup-compatibility/2006" xmlns:p14="http://schemas.microsoft.com/office/powerpoint/2010/main">
+    <mc:Choice Requires="p14">
+      <p:transition spd="med" p14:dur="700">
+        <p:fade/>
+      </p:transition>
+    </mc:Choice>
+    <mc:Fallback xmlns="">
+      <p:transition spd="med">
+        <p:fade/>
+      </p:transition>
+    </mc:Fallback>
+  </mc:AlternateContent>
+  <p:timing>
+    <p:tnLst>
+      <p:par>
+        <p:cTn id="1" dur="indefinite" restart="never" nodeType="tmRoot">
+          <p:childTnLst>
+            <p:seq concurrent="1" nextAc="seek">
+              <p:cTn id="2" dur="indefinite" nodeType="mainSeq">
+                <p:childTnLst>
+                  <p:par>
+                    <p:cTn id="3" fill="hold">
+                      <p:stCondLst>
+                        <p:cond delay="indefinite"/>
+                      </p:stCondLst>
+                      <p:childTnLst>
+                        <p:par>
+                          <p:cTn id="4" fill="hold">
+                            <p:stCondLst>
+                              <p:cond delay="0"/>
+                            </p:stCondLst>
+                            <p:childTnLst>
+                              <p:par>
+                                <p:cTn id="5" presetID="10" presetClass="entr" presetSubtype="0" fill="hold" nodeType="clickEffect">
+                                  <p:stCondLst>
+                                    <p:cond delay="0"/>
+                                  </p:stCondLst>
+                                  <p:childTnLst>
+                                    <p:set>
+                                      <p:cBhvr>
+                                        <p:cTn id="6" dur="1" fill="hold">
+                                          <p:stCondLst>
+                                            <p:cond delay="0"/>
+                                          </p:stCondLst>
+                                        </p:cTn>
+                                        <p:tgtEl>
+                                          <p:spTgt spid="4">
+                                            <p:txEl>
+                                              <p:pRg st="0" end="0"/>
+                                            </p:txEl>
+                                          </p:spTgt>
+                                        </p:tgtEl>
+                                        <p:attrNameLst>
+                                          <p:attrName>style.visibility</p:attrName>
+                                        </p:attrNameLst>
+                                      </p:cBhvr>
+                                      <p:to>
+                                        <p:strVal val="visible"/>
+                                      </p:to>
+                                    </p:set>
+                                    <p:animEffect transition="in" filter="fade">
+                                      <p:cBhvr>
+                                        <p:cTn id="7" dur="500"/>
+                                        <p:tgtEl>
+                                          <p:spTgt spid="4">
+                                            <p:txEl>
+                                              <p:pRg st="0" end="0"/>
+                                            </p:txEl>
+                                          </p:spTgt>
+                                        </p:tgtEl>
+                                      </p:cBhvr>
+                                    </p:animEffect>
+                                  </p:childTnLst>
+                                </p:cTn>
+                              </p:par>
+                              <p:par>
+                                <p:cTn id="8" presetID="10" presetClass="entr" presetSubtype="0" fill="hold" nodeType="withEffect">
+                                  <p:stCondLst>
+                                    <p:cond delay="0"/>
+                                  </p:stCondLst>
+                                  <p:childTnLst>
+                                    <p:set>
+                                      <p:cBhvr>
+                                        <p:cTn id="9" dur="1" fill="hold">
+                                          <p:stCondLst>
+                                            <p:cond delay="0"/>
+                                          </p:stCondLst>
+                                        </p:cTn>
+                                        <p:tgtEl>
+                                          <p:spTgt spid="4">
+                                            <p:txEl>
+                                              <p:pRg st="1" end="1"/>
+                                            </p:txEl>
+                                          </p:spTgt>
+                                        </p:tgtEl>
+                                        <p:attrNameLst>
+                                          <p:attrName>style.visibility</p:attrName>
+                                        </p:attrNameLst>
+                                      </p:cBhvr>
+                                      <p:to>
+                                        <p:strVal val="visible"/>
+                                      </p:to>
+                                    </p:set>
+                                    <p:animEffect transition="in" filter="fade">
+                                      <p:cBhvr>
+                                        <p:cTn id="10" dur="500"/>
+                                        <p:tgtEl>
+                                          <p:spTgt spid="4">
+                                            <p:txEl>
+                                              <p:pRg st="1" end="1"/>
+                                            </p:txEl>
+                                          </p:spTgt>
+                                        </p:tgtEl>
+                                      </p:cBhvr>
+                                    </p:animEffect>
+                                  </p:childTnLst>
+                                </p:cTn>
+                              </p:par>
+                            </p:childTnLst>
+                          </p:cTn>
+                        </p:par>
+                      </p:childTnLst>
+                    </p:cTn>
+                  </p:par>
+                  <p:par>
+                    <p:cTn id="11" fill="hold">
+                      <p:stCondLst>
+                        <p:cond delay="indefinite"/>
+                      </p:stCondLst>
+                      <p:childTnLst>
+                        <p:par>
+                          <p:cTn id="12" fill="hold">
+                            <p:stCondLst>
+                              <p:cond delay="0"/>
+                            </p:stCondLst>
+                            <p:childTnLst>
+                              <p:par>
+                                <p:cTn id="13" presetID="10" presetClass="entr" presetSubtype="0" fill="hold" grpId="0" nodeType="clickEffect">
+                                  <p:stCondLst>
+                                    <p:cond delay="0"/>
+                                  </p:stCondLst>
+                                  <p:childTnLst>
+                                    <p:set>
+                                      <p:cBhvr>
+                                        <p:cTn id="14" dur="1" fill="hold">
+                                          <p:stCondLst>
+                                            <p:cond delay="0"/>
+                                          </p:stCondLst>
+                                        </p:cTn>
+                                        <p:tgtEl>
+                                          <p:spTgt spid="5"/>
+                                        </p:tgtEl>
+                                        <p:attrNameLst>
+                                          <p:attrName>style.visibility</p:attrName>
+                                        </p:attrNameLst>
+                                      </p:cBhvr>
+                                      <p:to>
+                                        <p:strVal val="visible"/>
+                                      </p:to>
+                                    </p:set>
+                                    <p:animEffect transition="in" filter="fade">
+                                      <p:cBhvr>
+                                        <p:cTn id="15" dur="500"/>
+                                        <p:tgtEl>
+                                          <p:spTgt spid="5"/>
+                                        </p:tgtEl>
+                                      </p:cBhvr>
+                                    </p:animEffect>
+                                  </p:childTnLst>
+                                </p:cTn>
+                              </p:par>
+                            </p:childTnLst>
+                          </p:cTn>
+                        </p:par>
+                      </p:childTnLst>
+                    </p:cTn>
+                  </p:par>
+                  <p:par>
+                    <p:cTn id="16" fill="hold">
+                      <p:stCondLst>
+                        <p:cond delay="indefinite"/>
+                      </p:stCondLst>
+                      <p:childTnLst>
+                        <p:par>
+                          <p:cTn id="17" fill="hold">
+                            <p:stCondLst>
+                              <p:cond delay="0"/>
+                            </p:stCondLst>
+                            <p:childTnLst>
+                              <p:par>
+                                <p:cTn id="18" presetID="10" presetClass="entr" presetSubtype="0" fill="hold" grpId="0" nodeType="clickEffect">
+                                  <p:stCondLst>
+                                    <p:cond delay="0"/>
+                                  </p:stCondLst>
+                                  <p:childTnLst>
+                                    <p:set>
+                                      <p:cBhvr>
+                                        <p:cTn id="19" dur="1" fill="hold">
+                                          <p:stCondLst>
+                                            <p:cond delay="0"/>
+                                          </p:stCondLst>
+                                        </p:cTn>
+                                        <p:tgtEl>
+                                          <p:spTgt spid="6"/>
+                                        </p:tgtEl>
+                                        <p:attrNameLst>
+                                          <p:attrName>style.visibility</p:attrName>
+                                        </p:attrNameLst>
+                                      </p:cBhvr>
+                                      <p:to>
+                                        <p:strVal val="visible"/>
+                                      </p:to>
+                                    </p:set>
+                                    <p:animEffect transition="in" filter="fade">
+                                      <p:cBhvr>
+                                        <p:cTn id="20" dur="500"/>
+                                        <p:tgtEl>
+                                          <p:spTgt spid="6"/>
+                                        </p:tgtEl>
+                                      </p:cBhvr>
+                                    </p:animEffect>
+                                  </p:childTnLst>
+                                </p:cTn>
+                              </p:par>
+                            </p:childTnLst>
+                          </p:cTn>
+                        </p:par>
+                      </p:childTnLst>
+                    </p:cTn>
+                  </p:par>
+                </p:childTnLst>
+              </p:cTn>
+              <p:prevCondLst>
+                <p:cond evt="onPrev" delay="0">
+                  <p:tgtEl>
+                    <p:sldTgt/>
+                  </p:tgtEl>
+                </p:cond>
+              </p:prevCondLst>
+              <p:nextCondLst>
+                <p:cond evt="onNext" delay="0">
+                  <p:tgtEl>
+                    <p:sldTgt/>
+                  </p:tgtEl>
+                </p:cond>
+              </p:nextCondLst>
+            </p:seq>
+          </p:childTnLst>
+        </p:cTn>
+      </p:par>
+    </p:tnLst>
+    <p:bldLst>
+      <p:bldP spid="5" grpId="0"/>
+      <p:bldP spid="6" grpId="0"/>
     </p:bldLst>
   </p:timing>
 </p:sld>
